--- a/親子成長班/包容班/密室脫逃/safelock2.pptx
+++ b/親子成長班/包容班/密室脫逃/safelock2.pptx
@@ -10,7 +10,7 @@
     <p:sldId id="257" r:id="rId4"/>
   </p:sldIdLst>
   <p:sldSz cx="6858000" cy="9906000" type="A4"/>
-  <p:notesSz cx="6858000" cy="9144000"/>
+  <p:notesSz cx="6797675" cy="9928225"/>
   <p:defaultTextStyle>
     <a:defPPr>
       <a:defRPr lang="zh-TW"/>
@@ -108,7 +108,7 @@
   </p:defaultTextStyle>
   <p:extLst>
     <p:ext uri="{EFAFB233-063F-42B5-8137-9DF3F51BA10A}">
-      <p15:sldGuideLst xmlns:p15="http://schemas.microsoft.com/office/powerpoint/2012/main">
+      <p15:sldGuideLst xmlns:p15="http://schemas.microsoft.com/office/powerpoint/2012/main" xmlns="">
         <p15:guide id="1" orient="horz" pos="3120" userDrawn="1">
           <p15:clr>
             <a:srgbClr val="A4A3A4"/>
@@ -256,7 +256,7 @@
           <a:p>
             <a:fld id="{D7E527D3-5980-423D-A01D-B9456BD32EE9}" type="datetimeFigureOut">
               <a:rPr lang="zh-TW" altLang="en-US" smtClean="0"/>
-              <a:t>2016/5/3</a:t>
+              <a:t>2016/5/14</a:t>
             </a:fld>
             <a:endParaRPr lang="zh-TW" altLang="en-US"/>
           </a:p>
@@ -426,7 +426,7 @@
           <a:p>
             <a:fld id="{D7E527D3-5980-423D-A01D-B9456BD32EE9}" type="datetimeFigureOut">
               <a:rPr lang="zh-TW" altLang="en-US" smtClean="0"/>
-              <a:t>2016/5/3</a:t>
+              <a:t>2016/5/14</a:t>
             </a:fld>
             <a:endParaRPr lang="zh-TW" altLang="en-US"/>
           </a:p>
@@ -606,7 +606,7 @@
           <a:p>
             <a:fld id="{D7E527D3-5980-423D-A01D-B9456BD32EE9}" type="datetimeFigureOut">
               <a:rPr lang="zh-TW" altLang="en-US" smtClean="0"/>
-              <a:t>2016/5/3</a:t>
+              <a:t>2016/5/14</a:t>
             </a:fld>
             <a:endParaRPr lang="zh-TW" altLang="en-US"/>
           </a:p>
@@ -776,7 +776,7 @@
           <a:p>
             <a:fld id="{D7E527D3-5980-423D-A01D-B9456BD32EE9}" type="datetimeFigureOut">
               <a:rPr lang="zh-TW" altLang="en-US" smtClean="0"/>
-              <a:t>2016/5/3</a:t>
+              <a:t>2016/5/14</a:t>
             </a:fld>
             <a:endParaRPr lang="zh-TW" altLang="en-US"/>
           </a:p>
@@ -1020,7 +1020,7 @@
           <a:p>
             <a:fld id="{D7E527D3-5980-423D-A01D-B9456BD32EE9}" type="datetimeFigureOut">
               <a:rPr lang="zh-TW" altLang="en-US" smtClean="0"/>
-              <a:t>2016/5/3</a:t>
+              <a:t>2016/5/14</a:t>
             </a:fld>
             <a:endParaRPr lang="zh-TW" altLang="en-US"/>
           </a:p>
@@ -1252,7 +1252,7 @@
           <a:p>
             <a:fld id="{D7E527D3-5980-423D-A01D-B9456BD32EE9}" type="datetimeFigureOut">
               <a:rPr lang="zh-TW" altLang="en-US" smtClean="0"/>
-              <a:t>2016/5/3</a:t>
+              <a:t>2016/5/14</a:t>
             </a:fld>
             <a:endParaRPr lang="zh-TW" altLang="en-US"/>
           </a:p>
@@ -1619,7 +1619,7 @@
           <a:p>
             <a:fld id="{D7E527D3-5980-423D-A01D-B9456BD32EE9}" type="datetimeFigureOut">
               <a:rPr lang="zh-TW" altLang="en-US" smtClean="0"/>
-              <a:t>2016/5/3</a:t>
+              <a:t>2016/5/14</a:t>
             </a:fld>
             <a:endParaRPr lang="zh-TW" altLang="en-US"/>
           </a:p>
@@ -1737,7 +1737,7 @@
           <a:p>
             <a:fld id="{D7E527D3-5980-423D-A01D-B9456BD32EE9}" type="datetimeFigureOut">
               <a:rPr lang="zh-TW" altLang="en-US" smtClean="0"/>
-              <a:t>2016/5/3</a:t>
+              <a:t>2016/5/14</a:t>
             </a:fld>
             <a:endParaRPr lang="zh-TW" altLang="en-US"/>
           </a:p>
@@ -1832,7 +1832,7 @@
           <a:p>
             <a:fld id="{D7E527D3-5980-423D-A01D-B9456BD32EE9}" type="datetimeFigureOut">
               <a:rPr lang="zh-TW" altLang="en-US" smtClean="0"/>
-              <a:t>2016/5/3</a:t>
+              <a:t>2016/5/14</a:t>
             </a:fld>
             <a:endParaRPr lang="zh-TW" altLang="en-US"/>
           </a:p>
@@ -2109,7 +2109,7 @@
           <a:p>
             <a:fld id="{D7E527D3-5980-423D-A01D-B9456BD32EE9}" type="datetimeFigureOut">
               <a:rPr lang="zh-TW" altLang="en-US" smtClean="0"/>
-              <a:t>2016/5/3</a:t>
+              <a:t>2016/5/14</a:t>
             </a:fld>
             <a:endParaRPr lang="zh-TW" altLang="en-US"/>
           </a:p>
@@ -2366,7 +2366,7 @@
           <a:p>
             <a:fld id="{D7E527D3-5980-423D-A01D-B9456BD32EE9}" type="datetimeFigureOut">
               <a:rPr lang="zh-TW" altLang="en-US" smtClean="0"/>
-              <a:t>2016/5/3</a:t>
+              <a:t>2016/5/14</a:t>
             </a:fld>
             <a:endParaRPr lang="zh-TW" altLang="en-US"/>
           </a:p>
@@ -2579,7 +2579,7 @@
           <a:p>
             <a:fld id="{D7E527D3-5980-423D-A01D-B9456BD32EE9}" type="datetimeFigureOut">
               <a:rPr lang="zh-TW" altLang="en-US" smtClean="0"/>
-              <a:t>2016/5/3</a:t>
+              <a:t>2016/5/14</a:t>
             </a:fld>
             <a:endParaRPr lang="zh-TW" altLang="en-US"/>
           </a:p>
@@ -2984,6 +2984,60 @@
           <a:chExt cx="0" cy="0"/>
         </a:xfrm>
       </p:grpSpPr>
+      <p:sp>
+        <p:nvSpPr>
+          <p:cNvPr id="136" name="橢圓 135"/>
+          <p:cNvSpPr/>
+          <p:nvPr/>
+        </p:nvSpPr>
+        <p:spPr>
+          <a:xfrm>
+            <a:off x="2479537" y="5052887"/>
+            <a:ext cx="4260133" cy="4260133"/>
+          </a:xfrm>
+          <a:prstGeom prst="ellipse">
+            <a:avLst/>
+          </a:prstGeom>
+          <a:solidFill>
+            <a:srgbClr val="FFFF00"/>
+          </a:solidFill>
+          <a:scene3d>
+            <a:camera prst="orthographicFront">
+              <a:rot lat="0" lon="0" rev="0"/>
+            </a:camera>
+            <a:lightRig rig="threePt" dir="t"/>
+          </a:scene3d>
+          <a:sp3d extrusionH="25400" prstMaterial="clear"/>
+        </p:spPr>
+        <p:style>
+          <a:lnRef idx="2">
+            <a:schemeClr val="accent1">
+              <a:shade val="50000"/>
+            </a:schemeClr>
+          </a:lnRef>
+          <a:fillRef idx="1">
+            <a:schemeClr val="accent1"/>
+          </a:fillRef>
+          <a:effectRef idx="0">
+            <a:schemeClr val="accent1"/>
+          </a:effectRef>
+          <a:fontRef idx="minor">
+            <a:schemeClr val="lt1"/>
+          </a:fontRef>
+        </p:style>
+        <p:txBody>
+          <a:bodyPr rtlCol="0" anchor="ctr"/>
+          <a:lstStyle/>
+          <a:p>
+            <a:pPr algn="ctr"/>
+            <a:endParaRPr lang="zh-TW" altLang="en-US" dirty="0">
+              <a:solidFill>
+                <a:schemeClr val="tx1"/>
+              </a:solidFill>
+            </a:endParaRPr>
+          </a:p>
+        </p:txBody>
+      </p:sp>
       <p:grpSp>
         <p:nvGrpSpPr>
           <p:cNvPr id="4" name="群組 3"/>
@@ -4915,7 +4969,7 @@
         </p:nvGrpSpPr>
         <p:grpSpPr>
           <a:xfrm>
-            <a:off x="987259" y="2759628"/>
+            <a:off x="92893" y="7895722"/>
             <a:ext cx="1989668" cy="1960767"/>
             <a:chOff x="7404097" y="3849117"/>
             <a:chExt cx="1989668" cy="1960767"/>
@@ -5595,6 +5649,2913 @@
           </p:txBody>
         </p:sp>
       </p:grpSp>
+      <p:grpSp>
+        <p:nvGrpSpPr>
+          <p:cNvPr id="52" name="群組 51"/>
+          <p:cNvGrpSpPr/>
+          <p:nvPr/>
+        </p:nvGrpSpPr>
+        <p:grpSpPr>
+          <a:xfrm>
+            <a:off x="270742" y="2592791"/>
+            <a:ext cx="1989668" cy="1960767"/>
+            <a:chOff x="7404097" y="3849117"/>
+            <a:chExt cx="1989668" cy="1960767"/>
+          </a:xfrm>
+        </p:grpSpPr>
+        <p:sp>
+          <p:nvSpPr>
+            <p:cNvPr id="53" name="手繪多邊形 52"/>
+            <p:cNvSpPr/>
+            <p:nvPr/>
+          </p:nvSpPr>
+          <p:spPr>
+            <a:xfrm>
+              <a:off x="7404097" y="3849117"/>
+              <a:ext cx="1989668" cy="1960767"/>
+            </a:xfrm>
+            <a:custGeom>
+              <a:avLst/>
+              <a:gdLst>
+                <a:gd name="connsiteX0" fmla="*/ 994834 w 1989668"/>
+                <a:gd name="connsiteY0" fmla="*/ 828348 h 1960767"/>
+                <a:gd name="connsiteX1" fmla="*/ 857250 w 1989668"/>
+                <a:gd name="connsiteY1" fmla="*/ 965932 h 1960767"/>
+                <a:gd name="connsiteX2" fmla="*/ 994834 w 1989668"/>
+                <a:gd name="connsiteY2" fmla="*/ 1103516 h 1960767"/>
+                <a:gd name="connsiteX3" fmla="*/ 1132418 w 1989668"/>
+                <a:gd name="connsiteY3" fmla="*/ 965932 h 1960767"/>
+                <a:gd name="connsiteX4" fmla="*/ 994834 w 1989668"/>
+                <a:gd name="connsiteY4" fmla="*/ 828348 h 1960767"/>
+                <a:gd name="connsiteX5" fmla="*/ 765086 w 1989668"/>
+                <a:gd name="connsiteY5" fmla="*/ 0 h 1960767"/>
+                <a:gd name="connsiteX6" fmla="*/ 874185 w 1989668"/>
+                <a:gd name="connsiteY6" fmla="*/ 161169 h 1960767"/>
+                <a:gd name="connsiteX7" fmla="*/ 874185 w 1989668"/>
+                <a:gd name="connsiteY7" fmla="*/ 703466 h 1960767"/>
+                <a:gd name="connsiteX8" fmla="*/ 1115484 w 1989668"/>
+                <a:gd name="connsiteY8" fmla="*/ 703466 h 1960767"/>
+                <a:gd name="connsiteX9" fmla="*/ 1115484 w 1989668"/>
+                <a:gd name="connsiteY9" fmla="*/ 161170 h 1960767"/>
+                <a:gd name="connsiteX10" fmla="*/ 1224584 w 1989668"/>
+                <a:gd name="connsiteY10" fmla="*/ 0 h 1960767"/>
+                <a:gd name="connsiteX11" fmla="*/ 1359615 w 1989668"/>
+                <a:gd name="connsiteY11" fmla="*/ 40104 h 1960767"/>
+                <a:gd name="connsiteX12" fmla="*/ 1989668 w 1989668"/>
+                <a:gd name="connsiteY12" fmla="*/ 965933 h 1960767"/>
+                <a:gd name="connsiteX13" fmla="*/ 994834 w 1989668"/>
+                <a:gd name="connsiteY13" fmla="*/ 1960767 h 1960767"/>
+                <a:gd name="connsiteX14" fmla="*/ 0 w 1989668"/>
+                <a:gd name="connsiteY14" fmla="*/ 965933 h 1960767"/>
+                <a:gd name="connsiteX15" fmla="*/ 630053 w 1989668"/>
+                <a:gd name="connsiteY15" fmla="*/ 40104 h 1960767"/>
+              </a:gdLst>
+              <a:ahLst/>
+              <a:cxnLst>
+                <a:cxn ang="0">
+                  <a:pos x="connsiteX0" y="connsiteY0"/>
+                </a:cxn>
+                <a:cxn ang="0">
+                  <a:pos x="connsiteX1" y="connsiteY1"/>
+                </a:cxn>
+                <a:cxn ang="0">
+                  <a:pos x="connsiteX2" y="connsiteY2"/>
+                </a:cxn>
+                <a:cxn ang="0">
+                  <a:pos x="connsiteX3" y="connsiteY3"/>
+                </a:cxn>
+                <a:cxn ang="0">
+                  <a:pos x="connsiteX4" y="connsiteY4"/>
+                </a:cxn>
+                <a:cxn ang="0">
+                  <a:pos x="connsiteX5" y="connsiteY5"/>
+                </a:cxn>
+                <a:cxn ang="0">
+                  <a:pos x="connsiteX6" y="connsiteY6"/>
+                </a:cxn>
+                <a:cxn ang="0">
+                  <a:pos x="connsiteX7" y="connsiteY7"/>
+                </a:cxn>
+                <a:cxn ang="0">
+                  <a:pos x="connsiteX8" y="connsiteY8"/>
+                </a:cxn>
+                <a:cxn ang="0">
+                  <a:pos x="connsiteX9" y="connsiteY9"/>
+                </a:cxn>
+                <a:cxn ang="0">
+                  <a:pos x="connsiteX10" y="connsiteY10"/>
+                </a:cxn>
+                <a:cxn ang="0">
+                  <a:pos x="connsiteX11" y="connsiteY11"/>
+                </a:cxn>
+                <a:cxn ang="0">
+                  <a:pos x="connsiteX12" y="connsiteY12"/>
+                </a:cxn>
+                <a:cxn ang="0">
+                  <a:pos x="connsiteX13" y="connsiteY13"/>
+                </a:cxn>
+                <a:cxn ang="0">
+                  <a:pos x="connsiteX14" y="connsiteY14"/>
+                </a:cxn>
+                <a:cxn ang="0">
+                  <a:pos x="connsiteX15" y="connsiteY15"/>
+                </a:cxn>
+              </a:cxnLst>
+              <a:rect l="l" t="t" r="r" b="b"/>
+              <a:pathLst>
+                <a:path w="1989668" h="1960767">
+                  <a:moveTo>
+                    <a:pt x="994834" y="828348"/>
+                  </a:moveTo>
+                  <a:cubicBezTo>
+                    <a:pt x="918848" y="828348"/>
+                    <a:pt x="857250" y="889946"/>
+                    <a:pt x="857250" y="965932"/>
+                  </a:cubicBezTo>
+                  <a:cubicBezTo>
+                    <a:pt x="857250" y="1041918"/>
+                    <a:pt x="918848" y="1103516"/>
+                    <a:pt x="994834" y="1103516"/>
+                  </a:cubicBezTo>
+                  <a:cubicBezTo>
+                    <a:pt x="1070820" y="1103516"/>
+                    <a:pt x="1132418" y="1041918"/>
+                    <a:pt x="1132418" y="965932"/>
+                  </a:cubicBezTo>
+                  <a:cubicBezTo>
+                    <a:pt x="1132418" y="889946"/>
+                    <a:pt x="1070820" y="828348"/>
+                    <a:pt x="994834" y="828348"/>
+                  </a:cubicBezTo>
+                  <a:close/>
+                  <a:moveTo>
+                    <a:pt x="765086" y="0"/>
+                  </a:moveTo>
+                  <a:lnTo>
+                    <a:pt x="874185" y="161169"/>
+                  </a:lnTo>
+                  <a:lnTo>
+                    <a:pt x="874185" y="703466"/>
+                  </a:lnTo>
+                  <a:lnTo>
+                    <a:pt x="1115484" y="703466"/>
+                  </a:lnTo>
+                  <a:lnTo>
+                    <a:pt x="1115484" y="161170"/>
+                  </a:lnTo>
+                  <a:lnTo>
+                    <a:pt x="1224584" y="0"/>
+                  </a:lnTo>
+                  <a:lnTo>
+                    <a:pt x="1359615" y="40104"/>
+                  </a:lnTo>
+                  <a:cubicBezTo>
+                    <a:pt x="1728582" y="185596"/>
+                    <a:pt x="1989668" y="545274"/>
+                    <a:pt x="1989668" y="965933"/>
+                  </a:cubicBezTo>
+                  <a:cubicBezTo>
+                    <a:pt x="1989668" y="1515365"/>
+                    <a:pt x="1544266" y="1960767"/>
+                    <a:pt x="994834" y="1960767"/>
+                  </a:cubicBezTo>
+                  <a:cubicBezTo>
+                    <a:pt x="445402" y="1960767"/>
+                    <a:pt x="0" y="1515365"/>
+                    <a:pt x="0" y="965933"/>
+                  </a:cubicBezTo>
+                  <a:cubicBezTo>
+                    <a:pt x="0" y="545274"/>
+                    <a:pt x="261087" y="185596"/>
+                    <a:pt x="630053" y="40104"/>
+                  </a:cubicBezTo>
+                  <a:close/>
+                </a:path>
+              </a:pathLst>
+            </a:custGeom>
+          </p:spPr>
+          <p:style>
+            <a:lnRef idx="2">
+              <a:schemeClr val="accent1">
+                <a:shade val="50000"/>
+              </a:schemeClr>
+            </a:lnRef>
+            <a:fillRef idx="1">
+              <a:schemeClr val="accent1"/>
+            </a:fillRef>
+            <a:effectRef idx="0">
+              <a:schemeClr val="accent1"/>
+            </a:effectRef>
+            <a:fontRef idx="minor">
+              <a:schemeClr val="lt1"/>
+            </a:fontRef>
+          </p:style>
+          <p:txBody>
+            <a:bodyPr rtlCol="0" anchor="ctr"/>
+            <a:lstStyle/>
+            <a:p>
+              <a:pPr algn="ctr"/>
+              <a:endParaRPr lang="zh-TW" altLang="en-US"/>
+            </a:p>
+          </p:txBody>
+        </p:sp>
+        <p:sp>
+          <p:nvSpPr>
+            <p:cNvPr id="54" name="矩形 53"/>
+            <p:cNvSpPr/>
+            <p:nvPr/>
+          </p:nvSpPr>
+          <p:spPr>
+            <a:xfrm rot="18470484">
+              <a:off x="7656870" y="4154754"/>
+              <a:ext cx="186266" cy="353849"/>
+            </a:xfrm>
+            <a:prstGeom prst="rect">
+              <a:avLst/>
+            </a:prstGeom>
+            <a:solidFill>
+              <a:srgbClr val="92D050"/>
+            </a:solidFill>
+          </p:spPr>
+          <p:style>
+            <a:lnRef idx="2">
+              <a:schemeClr val="accent1">
+                <a:shade val="50000"/>
+              </a:schemeClr>
+            </a:lnRef>
+            <a:fillRef idx="1">
+              <a:schemeClr val="accent1"/>
+            </a:fillRef>
+            <a:effectRef idx="0">
+              <a:schemeClr val="accent1"/>
+            </a:effectRef>
+            <a:fontRef idx="minor">
+              <a:schemeClr val="lt1"/>
+            </a:fontRef>
+          </p:style>
+          <p:txBody>
+            <a:bodyPr rtlCol="0" anchor="ctr"/>
+            <a:lstStyle/>
+            <a:p>
+              <a:pPr algn="ctr"/>
+              <a:endParaRPr lang="zh-TW" altLang="en-US"/>
+            </a:p>
+          </p:txBody>
+        </p:sp>
+        <p:sp>
+          <p:nvSpPr>
+            <p:cNvPr id="55" name="矩形 54"/>
+            <p:cNvSpPr/>
+            <p:nvPr/>
+          </p:nvSpPr>
+          <p:spPr>
+            <a:xfrm rot="20535343">
+              <a:off x="8044779" y="3870432"/>
+              <a:ext cx="186266" cy="353849"/>
+            </a:xfrm>
+            <a:prstGeom prst="rect">
+              <a:avLst/>
+            </a:prstGeom>
+            <a:solidFill>
+              <a:srgbClr val="92D050"/>
+            </a:solidFill>
+          </p:spPr>
+          <p:style>
+            <a:lnRef idx="2">
+              <a:schemeClr val="accent1">
+                <a:shade val="50000"/>
+              </a:schemeClr>
+            </a:lnRef>
+            <a:fillRef idx="1">
+              <a:schemeClr val="accent1"/>
+            </a:fillRef>
+            <a:effectRef idx="0">
+              <a:schemeClr val="accent1"/>
+            </a:effectRef>
+            <a:fontRef idx="minor">
+              <a:schemeClr val="lt1"/>
+            </a:fontRef>
+          </p:style>
+          <p:txBody>
+            <a:bodyPr rtlCol="0" anchor="ctr"/>
+            <a:lstStyle/>
+            <a:p>
+              <a:pPr algn="ctr"/>
+              <a:endParaRPr lang="zh-TW" altLang="en-US"/>
+            </a:p>
+          </p:txBody>
+        </p:sp>
+        <p:sp>
+          <p:nvSpPr>
+            <p:cNvPr id="56" name="矩形 55"/>
+            <p:cNvSpPr/>
+            <p:nvPr/>
+          </p:nvSpPr>
+          <p:spPr>
+            <a:xfrm rot="1093448">
+              <a:off x="8576850" y="3870432"/>
+              <a:ext cx="186266" cy="353849"/>
+            </a:xfrm>
+            <a:prstGeom prst="rect">
+              <a:avLst/>
+            </a:prstGeom>
+            <a:solidFill>
+              <a:srgbClr val="92D050"/>
+            </a:solidFill>
+          </p:spPr>
+          <p:style>
+            <a:lnRef idx="2">
+              <a:schemeClr val="accent1">
+                <a:shade val="50000"/>
+              </a:schemeClr>
+            </a:lnRef>
+            <a:fillRef idx="1">
+              <a:schemeClr val="accent1"/>
+            </a:fillRef>
+            <a:effectRef idx="0">
+              <a:schemeClr val="accent1"/>
+            </a:effectRef>
+            <a:fontRef idx="minor">
+              <a:schemeClr val="lt1"/>
+            </a:fontRef>
+          </p:style>
+          <p:txBody>
+            <a:bodyPr rtlCol="0" anchor="ctr"/>
+            <a:lstStyle/>
+            <a:p>
+              <a:pPr algn="ctr"/>
+              <a:endParaRPr lang="zh-TW" altLang="en-US"/>
+            </a:p>
+          </p:txBody>
+        </p:sp>
+        <p:sp>
+          <p:nvSpPr>
+            <p:cNvPr id="57" name="矩形 56"/>
+            <p:cNvSpPr/>
+            <p:nvPr/>
+          </p:nvSpPr>
+          <p:spPr>
+            <a:xfrm rot="3129063">
+              <a:off x="8957551" y="4145227"/>
+              <a:ext cx="186266" cy="353849"/>
+            </a:xfrm>
+            <a:prstGeom prst="rect">
+              <a:avLst/>
+            </a:prstGeom>
+            <a:solidFill>
+              <a:srgbClr val="92D050"/>
+            </a:solidFill>
+          </p:spPr>
+          <p:style>
+            <a:lnRef idx="2">
+              <a:schemeClr val="accent1">
+                <a:shade val="50000"/>
+              </a:schemeClr>
+            </a:lnRef>
+            <a:fillRef idx="1">
+              <a:schemeClr val="accent1"/>
+            </a:fillRef>
+            <a:effectRef idx="0">
+              <a:schemeClr val="accent1"/>
+            </a:effectRef>
+            <a:fontRef idx="minor">
+              <a:schemeClr val="lt1"/>
+            </a:fontRef>
+          </p:style>
+          <p:txBody>
+            <a:bodyPr rtlCol="0" anchor="ctr"/>
+            <a:lstStyle/>
+            <a:p>
+              <a:pPr algn="ctr"/>
+              <a:endParaRPr lang="zh-TW" altLang="en-US"/>
+            </a:p>
+          </p:txBody>
+        </p:sp>
+        <p:sp>
+          <p:nvSpPr>
+            <p:cNvPr id="58" name="矩形 57"/>
+            <p:cNvSpPr/>
+            <p:nvPr/>
+          </p:nvSpPr>
+          <p:spPr>
+            <a:xfrm rot="5400000">
+              <a:off x="9122933" y="4646607"/>
+              <a:ext cx="186266" cy="353849"/>
+            </a:xfrm>
+            <a:prstGeom prst="rect">
+              <a:avLst/>
+            </a:prstGeom>
+            <a:solidFill>
+              <a:srgbClr val="92D050"/>
+            </a:solidFill>
+          </p:spPr>
+          <p:style>
+            <a:lnRef idx="2">
+              <a:schemeClr val="accent1">
+                <a:shade val="50000"/>
+              </a:schemeClr>
+            </a:lnRef>
+            <a:fillRef idx="1">
+              <a:schemeClr val="accent1"/>
+            </a:fillRef>
+            <a:effectRef idx="0">
+              <a:schemeClr val="accent1"/>
+            </a:effectRef>
+            <a:fontRef idx="minor">
+              <a:schemeClr val="lt1"/>
+            </a:fontRef>
+          </p:style>
+          <p:txBody>
+            <a:bodyPr rtlCol="0" anchor="ctr"/>
+            <a:lstStyle/>
+            <a:p>
+              <a:pPr algn="ctr"/>
+              <a:endParaRPr lang="zh-TW" altLang="en-US"/>
+            </a:p>
+          </p:txBody>
+        </p:sp>
+        <p:sp>
+          <p:nvSpPr>
+            <p:cNvPr id="59" name="矩形 58"/>
+            <p:cNvSpPr/>
+            <p:nvPr/>
+          </p:nvSpPr>
+          <p:spPr>
+            <a:xfrm rot="18470484">
+              <a:off x="8948985" y="5147977"/>
+              <a:ext cx="186266" cy="353849"/>
+            </a:xfrm>
+            <a:prstGeom prst="rect">
+              <a:avLst/>
+            </a:prstGeom>
+            <a:solidFill>
+              <a:srgbClr val="92D050"/>
+            </a:solidFill>
+          </p:spPr>
+          <p:style>
+            <a:lnRef idx="2">
+              <a:schemeClr val="accent1">
+                <a:shade val="50000"/>
+              </a:schemeClr>
+            </a:lnRef>
+            <a:fillRef idx="1">
+              <a:schemeClr val="accent1"/>
+            </a:fillRef>
+            <a:effectRef idx="0">
+              <a:schemeClr val="accent1"/>
+            </a:effectRef>
+            <a:fontRef idx="minor">
+              <a:schemeClr val="lt1"/>
+            </a:fontRef>
+          </p:style>
+          <p:txBody>
+            <a:bodyPr rtlCol="0" anchor="ctr"/>
+            <a:lstStyle/>
+            <a:p>
+              <a:pPr algn="ctr"/>
+              <a:endParaRPr lang="zh-TW" altLang="en-US"/>
+            </a:p>
+          </p:txBody>
+        </p:sp>
+        <p:sp>
+          <p:nvSpPr>
+            <p:cNvPr id="60" name="矩形 59"/>
+            <p:cNvSpPr/>
+            <p:nvPr/>
+          </p:nvSpPr>
+          <p:spPr>
+            <a:xfrm rot="20535343">
+              <a:off x="8543704" y="5416683"/>
+              <a:ext cx="186266" cy="353849"/>
+            </a:xfrm>
+            <a:prstGeom prst="rect">
+              <a:avLst/>
+            </a:prstGeom>
+            <a:solidFill>
+              <a:srgbClr val="92D050"/>
+            </a:solidFill>
+          </p:spPr>
+          <p:style>
+            <a:lnRef idx="2">
+              <a:schemeClr val="accent1">
+                <a:shade val="50000"/>
+              </a:schemeClr>
+            </a:lnRef>
+            <a:fillRef idx="1">
+              <a:schemeClr val="accent1"/>
+            </a:fillRef>
+            <a:effectRef idx="0">
+              <a:schemeClr val="accent1"/>
+            </a:effectRef>
+            <a:fontRef idx="minor">
+              <a:schemeClr val="lt1"/>
+            </a:fontRef>
+          </p:style>
+          <p:txBody>
+            <a:bodyPr rtlCol="0" anchor="ctr"/>
+            <a:lstStyle/>
+            <a:p>
+              <a:pPr algn="ctr"/>
+              <a:endParaRPr lang="zh-TW" altLang="en-US"/>
+            </a:p>
+          </p:txBody>
+        </p:sp>
+        <p:sp>
+          <p:nvSpPr>
+            <p:cNvPr id="61" name="矩形 60"/>
+            <p:cNvSpPr/>
+            <p:nvPr/>
+          </p:nvSpPr>
+          <p:spPr>
+            <a:xfrm rot="1093448">
+              <a:off x="8069060" y="5415576"/>
+              <a:ext cx="186266" cy="353849"/>
+            </a:xfrm>
+            <a:prstGeom prst="rect">
+              <a:avLst/>
+            </a:prstGeom>
+            <a:solidFill>
+              <a:srgbClr val="92D050"/>
+            </a:solidFill>
+          </p:spPr>
+          <p:style>
+            <a:lnRef idx="2">
+              <a:schemeClr val="accent1">
+                <a:shade val="50000"/>
+              </a:schemeClr>
+            </a:lnRef>
+            <a:fillRef idx="1">
+              <a:schemeClr val="accent1"/>
+            </a:fillRef>
+            <a:effectRef idx="0">
+              <a:schemeClr val="accent1"/>
+            </a:effectRef>
+            <a:fontRef idx="minor">
+              <a:schemeClr val="lt1"/>
+            </a:fontRef>
+          </p:style>
+          <p:txBody>
+            <a:bodyPr rtlCol="0" anchor="ctr"/>
+            <a:lstStyle/>
+            <a:p>
+              <a:pPr algn="ctr"/>
+              <a:endParaRPr lang="zh-TW" altLang="en-US"/>
+            </a:p>
+          </p:txBody>
+        </p:sp>
+        <p:sp>
+          <p:nvSpPr>
+            <p:cNvPr id="62" name="矩形 61"/>
+            <p:cNvSpPr/>
+            <p:nvPr/>
+          </p:nvSpPr>
+          <p:spPr>
+            <a:xfrm rot="3129063">
+              <a:off x="7673526" y="5144785"/>
+              <a:ext cx="186266" cy="353849"/>
+            </a:xfrm>
+            <a:prstGeom prst="rect">
+              <a:avLst/>
+            </a:prstGeom>
+            <a:solidFill>
+              <a:srgbClr val="92D050"/>
+            </a:solidFill>
+          </p:spPr>
+          <p:style>
+            <a:lnRef idx="2">
+              <a:schemeClr val="accent1">
+                <a:shade val="50000"/>
+              </a:schemeClr>
+            </a:lnRef>
+            <a:fillRef idx="1">
+              <a:schemeClr val="accent1"/>
+            </a:fillRef>
+            <a:effectRef idx="0">
+              <a:schemeClr val="accent1"/>
+            </a:effectRef>
+            <a:fontRef idx="minor">
+              <a:schemeClr val="lt1"/>
+            </a:fontRef>
+          </p:style>
+          <p:txBody>
+            <a:bodyPr rtlCol="0" anchor="ctr"/>
+            <a:lstStyle/>
+            <a:p>
+              <a:pPr algn="ctr"/>
+              <a:endParaRPr lang="zh-TW" altLang="en-US"/>
+            </a:p>
+          </p:txBody>
+        </p:sp>
+        <p:sp>
+          <p:nvSpPr>
+            <p:cNvPr id="63" name="矩形 62"/>
+            <p:cNvSpPr/>
+            <p:nvPr/>
+          </p:nvSpPr>
+          <p:spPr>
+            <a:xfrm rot="5400000">
+              <a:off x="7496601" y="4656611"/>
+              <a:ext cx="186266" cy="353849"/>
+            </a:xfrm>
+            <a:prstGeom prst="rect">
+              <a:avLst/>
+            </a:prstGeom>
+            <a:solidFill>
+              <a:srgbClr val="92D050"/>
+            </a:solidFill>
+          </p:spPr>
+          <p:style>
+            <a:lnRef idx="2">
+              <a:schemeClr val="accent1">
+                <a:shade val="50000"/>
+              </a:schemeClr>
+            </a:lnRef>
+            <a:fillRef idx="1">
+              <a:schemeClr val="accent1"/>
+            </a:fillRef>
+            <a:effectRef idx="0">
+              <a:schemeClr val="accent1"/>
+            </a:effectRef>
+            <a:fontRef idx="minor">
+              <a:schemeClr val="lt1"/>
+            </a:fontRef>
+          </p:style>
+          <p:txBody>
+            <a:bodyPr rtlCol="0" anchor="ctr"/>
+            <a:lstStyle/>
+            <a:p>
+              <a:pPr algn="ctr"/>
+              <a:endParaRPr lang="zh-TW" altLang="en-US"/>
+            </a:p>
+          </p:txBody>
+        </p:sp>
+      </p:grpSp>
+      <p:grpSp>
+        <p:nvGrpSpPr>
+          <p:cNvPr id="64" name="群組 63"/>
+          <p:cNvGrpSpPr/>
+          <p:nvPr/>
+        </p:nvGrpSpPr>
+        <p:grpSpPr>
+          <a:xfrm>
+            <a:off x="2493620" y="2596846"/>
+            <a:ext cx="1989668" cy="1960767"/>
+            <a:chOff x="7404097" y="3849117"/>
+            <a:chExt cx="1989668" cy="1960767"/>
+          </a:xfrm>
+        </p:grpSpPr>
+        <p:sp>
+          <p:nvSpPr>
+            <p:cNvPr id="65" name="手繪多邊形 64"/>
+            <p:cNvSpPr/>
+            <p:nvPr/>
+          </p:nvSpPr>
+          <p:spPr>
+            <a:xfrm>
+              <a:off x="7404097" y="3849117"/>
+              <a:ext cx="1989668" cy="1960767"/>
+            </a:xfrm>
+            <a:custGeom>
+              <a:avLst/>
+              <a:gdLst>
+                <a:gd name="connsiteX0" fmla="*/ 994834 w 1989668"/>
+                <a:gd name="connsiteY0" fmla="*/ 828348 h 1960767"/>
+                <a:gd name="connsiteX1" fmla="*/ 857250 w 1989668"/>
+                <a:gd name="connsiteY1" fmla="*/ 965932 h 1960767"/>
+                <a:gd name="connsiteX2" fmla="*/ 994834 w 1989668"/>
+                <a:gd name="connsiteY2" fmla="*/ 1103516 h 1960767"/>
+                <a:gd name="connsiteX3" fmla="*/ 1132418 w 1989668"/>
+                <a:gd name="connsiteY3" fmla="*/ 965932 h 1960767"/>
+                <a:gd name="connsiteX4" fmla="*/ 994834 w 1989668"/>
+                <a:gd name="connsiteY4" fmla="*/ 828348 h 1960767"/>
+                <a:gd name="connsiteX5" fmla="*/ 765086 w 1989668"/>
+                <a:gd name="connsiteY5" fmla="*/ 0 h 1960767"/>
+                <a:gd name="connsiteX6" fmla="*/ 874185 w 1989668"/>
+                <a:gd name="connsiteY6" fmla="*/ 161169 h 1960767"/>
+                <a:gd name="connsiteX7" fmla="*/ 874185 w 1989668"/>
+                <a:gd name="connsiteY7" fmla="*/ 703466 h 1960767"/>
+                <a:gd name="connsiteX8" fmla="*/ 1115484 w 1989668"/>
+                <a:gd name="connsiteY8" fmla="*/ 703466 h 1960767"/>
+                <a:gd name="connsiteX9" fmla="*/ 1115484 w 1989668"/>
+                <a:gd name="connsiteY9" fmla="*/ 161170 h 1960767"/>
+                <a:gd name="connsiteX10" fmla="*/ 1224584 w 1989668"/>
+                <a:gd name="connsiteY10" fmla="*/ 0 h 1960767"/>
+                <a:gd name="connsiteX11" fmla="*/ 1359615 w 1989668"/>
+                <a:gd name="connsiteY11" fmla="*/ 40104 h 1960767"/>
+                <a:gd name="connsiteX12" fmla="*/ 1989668 w 1989668"/>
+                <a:gd name="connsiteY12" fmla="*/ 965933 h 1960767"/>
+                <a:gd name="connsiteX13" fmla="*/ 994834 w 1989668"/>
+                <a:gd name="connsiteY13" fmla="*/ 1960767 h 1960767"/>
+                <a:gd name="connsiteX14" fmla="*/ 0 w 1989668"/>
+                <a:gd name="connsiteY14" fmla="*/ 965933 h 1960767"/>
+                <a:gd name="connsiteX15" fmla="*/ 630053 w 1989668"/>
+                <a:gd name="connsiteY15" fmla="*/ 40104 h 1960767"/>
+              </a:gdLst>
+              <a:ahLst/>
+              <a:cxnLst>
+                <a:cxn ang="0">
+                  <a:pos x="connsiteX0" y="connsiteY0"/>
+                </a:cxn>
+                <a:cxn ang="0">
+                  <a:pos x="connsiteX1" y="connsiteY1"/>
+                </a:cxn>
+                <a:cxn ang="0">
+                  <a:pos x="connsiteX2" y="connsiteY2"/>
+                </a:cxn>
+                <a:cxn ang="0">
+                  <a:pos x="connsiteX3" y="connsiteY3"/>
+                </a:cxn>
+                <a:cxn ang="0">
+                  <a:pos x="connsiteX4" y="connsiteY4"/>
+                </a:cxn>
+                <a:cxn ang="0">
+                  <a:pos x="connsiteX5" y="connsiteY5"/>
+                </a:cxn>
+                <a:cxn ang="0">
+                  <a:pos x="connsiteX6" y="connsiteY6"/>
+                </a:cxn>
+                <a:cxn ang="0">
+                  <a:pos x="connsiteX7" y="connsiteY7"/>
+                </a:cxn>
+                <a:cxn ang="0">
+                  <a:pos x="connsiteX8" y="connsiteY8"/>
+                </a:cxn>
+                <a:cxn ang="0">
+                  <a:pos x="connsiteX9" y="connsiteY9"/>
+                </a:cxn>
+                <a:cxn ang="0">
+                  <a:pos x="connsiteX10" y="connsiteY10"/>
+                </a:cxn>
+                <a:cxn ang="0">
+                  <a:pos x="connsiteX11" y="connsiteY11"/>
+                </a:cxn>
+                <a:cxn ang="0">
+                  <a:pos x="connsiteX12" y="connsiteY12"/>
+                </a:cxn>
+                <a:cxn ang="0">
+                  <a:pos x="connsiteX13" y="connsiteY13"/>
+                </a:cxn>
+                <a:cxn ang="0">
+                  <a:pos x="connsiteX14" y="connsiteY14"/>
+                </a:cxn>
+                <a:cxn ang="0">
+                  <a:pos x="connsiteX15" y="connsiteY15"/>
+                </a:cxn>
+              </a:cxnLst>
+              <a:rect l="l" t="t" r="r" b="b"/>
+              <a:pathLst>
+                <a:path w="1989668" h="1960767">
+                  <a:moveTo>
+                    <a:pt x="994834" y="828348"/>
+                  </a:moveTo>
+                  <a:cubicBezTo>
+                    <a:pt x="918848" y="828348"/>
+                    <a:pt x="857250" y="889946"/>
+                    <a:pt x="857250" y="965932"/>
+                  </a:cubicBezTo>
+                  <a:cubicBezTo>
+                    <a:pt x="857250" y="1041918"/>
+                    <a:pt x="918848" y="1103516"/>
+                    <a:pt x="994834" y="1103516"/>
+                  </a:cubicBezTo>
+                  <a:cubicBezTo>
+                    <a:pt x="1070820" y="1103516"/>
+                    <a:pt x="1132418" y="1041918"/>
+                    <a:pt x="1132418" y="965932"/>
+                  </a:cubicBezTo>
+                  <a:cubicBezTo>
+                    <a:pt x="1132418" y="889946"/>
+                    <a:pt x="1070820" y="828348"/>
+                    <a:pt x="994834" y="828348"/>
+                  </a:cubicBezTo>
+                  <a:close/>
+                  <a:moveTo>
+                    <a:pt x="765086" y="0"/>
+                  </a:moveTo>
+                  <a:lnTo>
+                    <a:pt x="874185" y="161169"/>
+                  </a:lnTo>
+                  <a:lnTo>
+                    <a:pt x="874185" y="703466"/>
+                  </a:lnTo>
+                  <a:lnTo>
+                    <a:pt x="1115484" y="703466"/>
+                  </a:lnTo>
+                  <a:lnTo>
+                    <a:pt x="1115484" y="161170"/>
+                  </a:lnTo>
+                  <a:lnTo>
+                    <a:pt x="1224584" y="0"/>
+                  </a:lnTo>
+                  <a:lnTo>
+                    <a:pt x="1359615" y="40104"/>
+                  </a:lnTo>
+                  <a:cubicBezTo>
+                    <a:pt x="1728582" y="185596"/>
+                    <a:pt x="1989668" y="545274"/>
+                    <a:pt x="1989668" y="965933"/>
+                  </a:cubicBezTo>
+                  <a:cubicBezTo>
+                    <a:pt x="1989668" y="1515365"/>
+                    <a:pt x="1544266" y="1960767"/>
+                    <a:pt x="994834" y="1960767"/>
+                  </a:cubicBezTo>
+                  <a:cubicBezTo>
+                    <a:pt x="445402" y="1960767"/>
+                    <a:pt x="0" y="1515365"/>
+                    <a:pt x="0" y="965933"/>
+                  </a:cubicBezTo>
+                  <a:cubicBezTo>
+                    <a:pt x="0" y="545274"/>
+                    <a:pt x="261087" y="185596"/>
+                    <a:pt x="630053" y="40104"/>
+                  </a:cubicBezTo>
+                  <a:close/>
+                </a:path>
+              </a:pathLst>
+            </a:custGeom>
+          </p:spPr>
+          <p:style>
+            <a:lnRef idx="2">
+              <a:schemeClr val="accent1">
+                <a:shade val="50000"/>
+              </a:schemeClr>
+            </a:lnRef>
+            <a:fillRef idx="1">
+              <a:schemeClr val="accent1"/>
+            </a:fillRef>
+            <a:effectRef idx="0">
+              <a:schemeClr val="accent1"/>
+            </a:effectRef>
+            <a:fontRef idx="minor">
+              <a:schemeClr val="lt1"/>
+            </a:fontRef>
+          </p:style>
+          <p:txBody>
+            <a:bodyPr rtlCol="0" anchor="ctr"/>
+            <a:lstStyle/>
+            <a:p>
+              <a:pPr algn="ctr"/>
+              <a:endParaRPr lang="zh-TW" altLang="en-US"/>
+            </a:p>
+          </p:txBody>
+        </p:sp>
+        <p:sp>
+          <p:nvSpPr>
+            <p:cNvPr id="66" name="矩形 65"/>
+            <p:cNvSpPr/>
+            <p:nvPr/>
+          </p:nvSpPr>
+          <p:spPr>
+            <a:xfrm rot="18470484">
+              <a:off x="7656870" y="4154754"/>
+              <a:ext cx="186266" cy="353849"/>
+            </a:xfrm>
+            <a:prstGeom prst="rect">
+              <a:avLst/>
+            </a:prstGeom>
+            <a:solidFill>
+              <a:srgbClr val="92D050"/>
+            </a:solidFill>
+          </p:spPr>
+          <p:style>
+            <a:lnRef idx="2">
+              <a:schemeClr val="accent1">
+                <a:shade val="50000"/>
+              </a:schemeClr>
+            </a:lnRef>
+            <a:fillRef idx="1">
+              <a:schemeClr val="accent1"/>
+            </a:fillRef>
+            <a:effectRef idx="0">
+              <a:schemeClr val="accent1"/>
+            </a:effectRef>
+            <a:fontRef idx="minor">
+              <a:schemeClr val="lt1"/>
+            </a:fontRef>
+          </p:style>
+          <p:txBody>
+            <a:bodyPr rtlCol="0" anchor="ctr"/>
+            <a:lstStyle/>
+            <a:p>
+              <a:pPr algn="ctr"/>
+              <a:endParaRPr lang="zh-TW" altLang="en-US"/>
+            </a:p>
+          </p:txBody>
+        </p:sp>
+        <p:sp>
+          <p:nvSpPr>
+            <p:cNvPr id="67" name="矩形 66"/>
+            <p:cNvSpPr/>
+            <p:nvPr/>
+          </p:nvSpPr>
+          <p:spPr>
+            <a:xfrm rot="20535343">
+              <a:off x="8044779" y="3870432"/>
+              <a:ext cx="186266" cy="353849"/>
+            </a:xfrm>
+            <a:prstGeom prst="rect">
+              <a:avLst/>
+            </a:prstGeom>
+            <a:solidFill>
+              <a:srgbClr val="92D050"/>
+            </a:solidFill>
+          </p:spPr>
+          <p:style>
+            <a:lnRef idx="2">
+              <a:schemeClr val="accent1">
+                <a:shade val="50000"/>
+              </a:schemeClr>
+            </a:lnRef>
+            <a:fillRef idx="1">
+              <a:schemeClr val="accent1"/>
+            </a:fillRef>
+            <a:effectRef idx="0">
+              <a:schemeClr val="accent1"/>
+            </a:effectRef>
+            <a:fontRef idx="minor">
+              <a:schemeClr val="lt1"/>
+            </a:fontRef>
+          </p:style>
+          <p:txBody>
+            <a:bodyPr rtlCol="0" anchor="ctr"/>
+            <a:lstStyle/>
+            <a:p>
+              <a:pPr algn="ctr"/>
+              <a:endParaRPr lang="zh-TW" altLang="en-US"/>
+            </a:p>
+          </p:txBody>
+        </p:sp>
+        <p:sp>
+          <p:nvSpPr>
+            <p:cNvPr id="68" name="矩形 67"/>
+            <p:cNvSpPr/>
+            <p:nvPr/>
+          </p:nvSpPr>
+          <p:spPr>
+            <a:xfrm rot="1093448">
+              <a:off x="8576850" y="3870432"/>
+              <a:ext cx="186266" cy="353849"/>
+            </a:xfrm>
+            <a:prstGeom prst="rect">
+              <a:avLst/>
+            </a:prstGeom>
+            <a:solidFill>
+              <a:srgbClr val="92D050"/>
+            </a:solidFill>
+          </p:spPr>
+          <p:style>
+            <a:lnRef idx="2">
+              <a:schemeClr val="accent1">
+                <a:shade val="50000"/>
+              </a:schemeClr>
+            </a:lnRef>
+            <a:fillRef idx="1">
+              <a:schemeClr val="accent1"/>
+            </a:fillRef>
+            <a:effectRef idx="0">
+              <a:schemeClr val="accent1"/>
+            </a:effectRef>
+            <a:fontRef idx="minor">
+              <a:schemeClr val="lt1"/>
+            </a:fontRef>
+          </p:style>
+          <p:txBody>
+            <a:bodyPr rtlCol="0" anchor="ctr"/>
+            <a:lstStyle/>
+            <a:p>
+              <a:pPr algn="ctr"/>
+              <a:endParaRPr lang="zh-TW" altLang="en-US"/>
+            </a:p>
+          </p:txBody>
+        </p:sp>
+        <p:sp>
+          <p:nvSpPr>
+            <p:cNvPr id="69" name="矩形 68"/>
+            <p:cNvSpPr/>
+            <p:nvPr/>
+          </p:nvSpPr>
+          <p:spPr>
+            <a:xfrm rot="3129063">
+              <a:off x="8957551" y="4145227"/>
+              <a:ext cx="186266" cy="353849"/>
+            </a:xfrm>
+            <a:prstGeom prst="rect">
+              <a:avLst/>
+            </a:prstGeom>
+            <a:solidFill>
+              <a:srgbClr val="92D050"/>
+            </a:solidFill>
+          </p:spPr>
+          <p:style>
+            <a:lnRef idx="2">
+              <a:schemeClr val="accent1">
+                <a:shade val="50000"/>
+              </a:schemeClr>
+            </a:lnRef>
+            <a:fillRef idx="1">
+              <a:schemeClr val="accent1"/>
+            </a:fillRef>
+            <a:effectRef idx="0">
+              <a:schemeClr val="accent1"/>
+            </a:effectRef>
+            <a:fontRef idx="minor">
+              <a:schemeClr val="lt1"/>
+            </a:fontRef>
+          </p:style>
+          <p:txBody>
+            <a:bodyPr rtlCol="0" anchor="ctr"/>
+            <a:lstStyle/>
+            <a:p>
+              <a:pPr algn="ctr"/>
+              <a:endParaRPr lang="zh-TW" altLang="en-US"/>
+            </a:p>
+          </p:txBody>
+        </p:sp>
+        <p:sp>
+          <p:nvSpPr>
+            <p:cNvPr id="70" name="矩形 69"/>
+            <p:cNvSpPr/>
+            <p:nvPr/>
+          </p:nvSpPr>
+          <p:spPr>
+            <a:xfrm rot="5400000">
+              <a:off x="9122933" y="4646607"/>
+              <a:ext cx="186266" cy="353849"/>
+            </a:xfrm>
+            <a:prstGeom prst="rect">
+              <a:avLst/>
+            </a:prstGeom>
+            <a:solidFill>
+              <a:srgbClr val="92D050"/>
+            </a:solidFill>
+          </p:spPr>
+          <p:style>
+            <a:lnRef idx="2">
+              <a:schemeClr val="accent1">
+                <a:shade val="50000"/>
+              </a:schemeClr>
+            </a:lnRef>
+            <a:fillRef idx="1">
+              <a:schemeClr val="accent1"/>
+            </a:fillRef>
+            <a:effectRef idx="0">
+              <a:schemeClr val="accent1"/>
+            </a:effectRef>
+            <a:fontRef idx="minor">
+              <a:schemeClr val="lt1"/>
+            </a:fontRef>
+          </p:style>
+          <p:txBody>
+            <a:bodyPr rtlCol="0" anchor="ctr"/>
+            <a:lstStyle/>
+            <a:p>
+              <a:pPr algn="ctr"/>
+              <a:endParaRPr lang="zh-TW" altLang="en-US"/>
+            </a:p>
+          </p:txBody>
+        </p:sp>
+        <p:sp>
+          <p:nvSpPr>
+            <p:cNvPr id="71" name="矩形 70"/>
+            <p:cNvSpPr/>
+            <p:nvPr/>
+          </p:nvSpPr>
+          <p:spPr>
+            <a:xfrm rot="18470484">
+              <a:off x="8948985" y="5147977"/>
+              <a:ext cx="186266" cy="353849"/>
+            </a:xfrm>
+            <a:prstGeom prst="rect">
+              <a:avLst/>
+            </a:prstGeom>
+            <a:solidFill>
+              <a:srgbClr val="92D050"/>
+            </a:solidFill>
+          </p:spPr>
+          <p:style>
+            <a:lnRef idx="2">
+              <a:schemeClr val="accent1">
+                <a:shade val="50000"/>
+              </a:schemeClr>
+            </a:lnRef>
+            <a:fillRef idx="1">
+              <a:schemeClr val="accent1"/>
+            </a:fillRef>
+            <a:effectRef idx="0">
+              <a:schemeClr val="accent1"/>
+            </a:effectRef>
+            <a:fontRef idx="minor">
+              <a:schemeClr val="lt1"/>
+            </a:fontRef>
+          </p:style>
+          <p:txBody>
+            <a:bodyPr rtlCol="0" anchor="ctr"/>
+            <a:lstStyle/>
+            <a:p>
+              <a:pPr algn="ctr"/>
+              <a:endParaRPr lang="zh-TW" altLang="en-US"/>
+            </a:p>
+          </p:txBody>
+        </p:sp>
+        <p:sp>
+          <p:nvSpPr>
+            <p:cNvPr id="72" name="矩形 71"/>
+            <p:cNvSpPr/>
+            <p:nvPr/>
+          </p:nvSpPr>
+          <p:spPr>
+            <a:xfrm rot="20535343">
+              <a:off x="8543704" y="5416683"/>
+              <a:ext cx="186266" cy="353849"/>
+            </a:xfrm>
+            <a:prstGeom prst="rect">
+              <a:avLst/>
+            </a:prstGeom>
+            <a:solidFill>
+              <a:srgbClr val="92D050"/>
+            </a:solidFill>
+          </p:spPr>
+          <p:style>
+            <a:lnRef idx="2">
+              <a:schemeClr val="accent1">
+                <a:shade val="50000"/>
+              </a:schemeClr>
+            </a:lnRef>
+            <a:fillRef idx="1">
+              <a:schemeClr val="accent1"/>
+            </a:fillRef>
+            <a:effectRef idx="0">
+              <a:schemeClr val="accent1"/>
+            </a:effectRef>
+            <a:fontRef idx="minor">
+              <a:schemeClr val="lt1"/>
+            </a:fontRef>
+          </p:style>
+          <p:txBody>
+            <a:bodyPr rtlCol="0" anchor="ctr"/>
+            <a:lstStyle/>
+            <a:p>
+              <a:pPr algn="ctr"/>
+              <a:endParaRPr lang="zh-TW" altLang="en-US"/>
+            </a:p>
+          </p:txBody>
+        </p:sp>
+        <p:sp>
+          <p:nvSpPr>
+            <p:cNvPr id="73" name="矩形 72"/>
+            <p:cNvSpPr/>
+            <p:nvPr/>
+          </p:nvSpPr>
+          <p:spPr>
+            <a:xfrm rot="1093448">
+              <a:off x="8069060" y="5415576"/>
+              <a:ext cx="186266" cy="353849"/>
+            </a:xfrm>
+            <a:prstGeom prst="rect">
+              <a:avLst/>
+            </a:prstGeom>
+            <a:solidFill>
+              <a:srgbClr val="92D050"/>
+            </a:solidFill>
+          </p:spPr>
+          <p:style>
+            <a:lnRef idx="2">
+              <a:schemeClr val="accent1">
+                <a:shade val="50000"/>
+              </a:schemeClr>
+            </a:lnRef>
+            <a:fillRef idx="1">
+              <a:schemeClr val="accent1"/>
+            </a:fillRef>
+            <a:effectRef idx="0">
+              <a:schemeClr val="accent1"/>
+            </a:effectRef>
+            <a:fontRef idx="minor">
+              <a:schemeClr val="lt1"/>
+            </a:fontRef>
+          </p:style>
+          <p:txBody>
+            <a:bodyPr rtlCol="0" anchor="ctr"/>
+            <a:lstStyle/>
+            <a:p>
+              <a:pPr algn="ctr"/>
+              <a:endParaRPr lang="zh-TW" altLang="en-US"/>
+            </a:p>
+          </p:txBody>
+        </p:sp>
+        <p:sp>
+          <p:nvSpPr>
+            <p:cNvPr id="74" name="矩形 73"/>
+            <p:cNvSpPr/>
+            <p:nvPr/>
+          </p:nvSpPr>
+          <p:spPr>
+            <a:xfrm rot="3129063">
+              <a:off x="7673526" y="5144785"/>
+              <a:ext cx="186266" cy="353849"/>
+            </a:xfrm>
+            <a:prstGeom prst="rect">
+              <a:avLst/>
+            </a:prstGeom>
+            <a:solidFill>
+              <a:srgbClr val="92D050"/>
+            </a:solidFill>
+          </p:spPr>
+          <p:style>
+            <a:lnRef idx="2">
+              <a:schemeClr val="accent1">
+                <a:shade val="50000"/>
+              </a:schemeClr>
+            </a:lnRef>
+            <a:fillRef idx="1">
+              <a:schemeClr val="accent1"/>
+            </a:fillRef>
+            <a:effectRef idx="0">
+              <a:schemeClr val="accent1"/>
+            </a:effectRef>
+            <a:fontRef idx="minor">
+              <a:schemeClr val="lt1"/>
+            </a:fontRef>
+          </p:style>
+          <p:txBody>
+            <a:bodyPr rtlCol="0" anchor="ctr"/>
+            <a:lstStyle/>
+            <a:p>
+              <a:pPr algn="ctr"/>
+              <a:endParaRPr lang="zh-TW" altLang="en-US"/>
+            </a:p>
+          </p:txBody>
+        </p:sp>
+        <p:sp>
+          <p:nvSpPr>
+            <p:cNvPr id="75" name="矩形 74"/>
+            <p:cNvSpPr/>
+            <p:nvPr/>
+          </p:nvSpPr>
+          <p:spPr>
+            <a:xfrm rot="5400000">
+              <a:off x="7496601" y="4656611"/>
+              <a:ext cx="186266" cy="353849"/>
+            </a:xfrm>
+            <a:prstGeom prst="rect">
+              <a:avLst/>
+            </a:prstGeom>
+            <a:solidFill>
+              <a:srgbClr val="92D050"/>
+            </a:solidFill>
+          </p:spPr>
+          <p:style>
+            <a:lnRef idx="2">
+              <a:schemeClr val="accent1">
+                <a:shade val="50000"/>
+              </a:schemeClr>
+            </a:lnRef>
+            <a:fillRef idx="1">
+              <a:schemeClr val="accent1"/>
+            </a:fillRef>
+            <a:effectRef idx="0">
+              <a:schemeClr val="accent1"/>
+            </a:effectRef>
+            <a:fontRef idx="minor">
+              <a:schemeClr val="lt1"/>
+            </a:fontRef>
+          </p:style>
+          <p:txBody>
+            <a:bodyPr rtlCol="0" anchor="ctr"/>
+            <a:lstStyle/>
+            <a:p>
+              <a:pPr algn="ctr"/>
+              <a:endParaRPr lang="zh-TW" altLang="en-US"/>
+            </a:p>
+          </p:txBody>
+        </p:sp>
+      </p:grpSp>
+      <p:grpSp>
+        <p:nvGrpSpPr>
+          <p:cNvPr id="76" name="群組 75"/>
+          <p:cNvGrpSpPr/>
+          <p:nvPr/>
+        </p:nvGrpSpPr>
+        <p:grpSpPr>
+          <a:xfrm>
+            <a:off x="4716498" y="2586821"/>
+            <a:ext cx="1989668" cy="1960767"/>
+            <a:chOff x="7404097" y="3849117"/>
+            <a:chExt cx="1989668" cy="1960767"/>
+          </a:xfrm>
+        </p:grpSpPr>
+        <p:sp>
+          <p:nvSpPr>
+            <p:cNvPr id="77" name="手繪多邊形 76"/>
+            <p:cNvSpPr/>
+            <p:nvPr/>
+          </p:nvSpPr>
+          <p:spPr>
+            <a:xfrm>
+              <a:off x="7404097" y="3849117"/>
+              <a:ext cx="1989668" cy="1960767"/>
+            </a:xfrm>
+            <a:custGeom>
+              <a:avLst/>
+              <a:gdLst>
+                <a:gd name="connsiteX0" fmla="*/ 994834 w 1989668"/>
+                <a:gd name="connsiteY0" fmla="*/ 828348 h 1960767"/>
+                <a:gd name="connsiteX1" fmla="*/ 857250 w 1989668"/>
+                <a:gd name="connsiteY1" fmla="*/ 965932 h 1960767"/>
+                <a:gd name="connsiteX2" fmla="*/ 994834 w 1989668"/>
+                <a:gd name="connsiteY2" fmla="*/ 1103516 h 1960767"/>
+                <a:gd name="connsiteX3" fmla="*/ 1132418 w 1989668"/>
+                <a:gd name="connsiteY3" fmla="*/ 965932 h 1960767"/>
+                <a:gd name="connsiteX4" fmla="*/ 994834 w 1989668"/>
+                <a:gd name="connsiteY4" fmla="*/ 828348 h 1960767"/>
+                <a:gd name="connsiteX5" fmla="*/ 765086 w 1989668"/>
+                <a:gd name="connsiteY5" fmla="*/ 0 h 1960767"/>
+                <a:gd name="connsiteX6" fmla="*/ 874185 w 1989668"/>
+                <a:gd name="connsiteY6" fmla="*/ 161169 h 1960767"/>
+                <a:gd name="connsiteX7" fmla="*/ 874185 w 1989668"/>
+                <a:gd name="connsiteY7" fmla="*/ 703466 h 1960767"/>
+                <a:gd name="connsiteX8" fmla="*/ 1115484 w 1989668"/>
+                <a:gd name="connsiteY8" fmla="*/ 703466 h 1960767"/>
+                <a:gd name="connsiteX9" fmla="*/ 1115484 w 1989668"/>
+                <a:gd name="connsiteY9" fmla="*/ 161170 h 1960767"/>
+                <a:gd name="connsiteX10" fmla="*/ 1224584 w 1989668"/>
+                <a:gd name="connsiteY10" fmla="*/ 0 h 1960767"/>
+                <a:gd name="connsiteX11" fmla="*/ 1359615 w 1989668"/>
+                <a:gd name="connsiteY11" fmla="*/ 40104 h 1960767"/>
+                <a:gd name="connsiteX12" fmla="*/ 1989668 w 1989668"/>
+                <a:gd name="connsiteY12" fmla="*/ 965933 h 1960767"/>
+                <a:gd name="connsiteX13" fmla="*/ 994834 w 1989668"/>
+                <a:gd name="connsiteY13" fmla="*/ 1960767 h 1960767"/>
+                <a:gd name="connsiteX14" fmla="*/ 0 w 1989668"/>
+                <a:gd name="connsiteY14" fmla="*/ 965933 h 1960767"/>
+                <a:gd name="connsiteX15" fmla="*/ 630053 w 1989668"/>
+                <a:gd name="connsiteY15" fmla="*/ 40104 h 1960767"/>
+              </a:gdLst>
+              <a:ahLst/>
+              <a:cxnLst>
+                <a:cxn ang="0">
+                  <a:pos x="connsiteX0" y="connsiteY0"/>
+                </a:cxn>
+                <a:cxn ang="0">
+                  <a:pos x="connsiteX1" y="connsiteY1"/>
+                </a:cxn>
+                <a:cxn ang="0">
+                  <a:pos x="connsiteX2" y="connsiteY2"/>
+                </a:cxn>
+                <a:cxn ang="0">
+                  <a:pos x="connsiteX3" y="connsiteY3"/>
+                </a:cxn>
+                <a:cxn ang="0">
+                  <a:pos x="connsiteX4" y="connsiteY4"/>
+                </a:cxn>
+                <a:cxn ang="0">
+                  <a:pos x="connsiteX5" y="connsiteY5"/>
+                </a:cxn>
+                <a:cxn ang="0">
+                  <a:pos x="connsiteX6" y="connsiteY6"/>
+                </a:cxn>
+                <a:cxn ang="0">
+                  <a:pos x="connsiteX7" y="connsiteY7"/>
+                </a:cxn>
+                <a:cxn ang="0">
+                  <a:pos x="connsiteX8" y="connsiteY8"/>
+                </a:cxn>
+                <a:cxn ang="0">
+                  <a:pos x="connsiteX9" y="connsiteY9"/>
+                </a:cxn>
+                <a:cxn ang="0">
+                  <a:pos x="connsiteX10" y="connsiteY10"/>
+                </a:cxn>
+                <a:cxn ang="0">
+                  <a:pos x="connsiteX11" y="connsiteY11"/>
+                </a:cxn>
+                <a:cxn ang="0">
+                  <a:pos x="connsiteX12" y="connsiteY12"/>
+                </a:cxn>
+                <a:cxn ang="0">
+                  <a:pos x="connsiteX13" y="connsiteY13"/>
+                </a:cxn>
+                <a:cxn ang="0">
+                  <a:pos x="connsiteX14" y="connsiteY14"/>
+                </a:cxn>
+                <a:cxn ang="0">
+                  <a:pos x="connsiteX15" y="connsiteY15"/>
+                </a:cxn>
+              </a:cxnLst>
+              <a:rect l="l" t="t" r="r" b="b"/>
+              <a:pathLst>
+                <a:path w="1989668" h="1960767">
+                  <a:moveTo>
+                    <a:pt x="994834" y="828348"/>
+                  </a:moveTo>
+                  <a:cubicBezTo>
+                    <a:pt x="918848" y="828348"/>
+                    <a:pt x="857250" y="889946"/>
+                    <a:pt x="857250" y="965932"/>
+                  </a:cubicBezTo>
+                  <a:cubicBezTo>
+                    <a:pt x="857250" y="1041918"/>
+                    <a:pt x="918848" y="1103516"/>
+                    <a:pt x="994834" y="1103516"/>
+                  </a:cubicBezTo>
+                  <a:cubicBezTo>
+                    <a:pt x="1070820" y="1103516"/>
+                    <a:pt x="1132418" y="1041918"/>
+                    <a:pt x="1132418" y="965932"/>
+                  </a:cubicBezTo>
+                  <a:cubicBezTo>
+                    <a:pt x="1132418" y="889946"/>
+                    <a:pt x="1070820" y="828348"/>
+                    <a:pt x="994834" y="828348"/>
+                  </a:cubicBezTo>
+                  <a:close/>
+                  <a:moveTo>
+                    <a:pt x="765086" y="0"/>
+                  </a:moveTo>
+                  <a:lnTo>
+                    <a:pt x="874185" y="161169"/>
+                  </a:lnTo>
+                  <a:lnTo>
+                    <a:pt x="874185" y="703466"/>
+                  </a:lnTo>
+                  <a:lnTo>
+                    <a:pt x="1115484" y="703466"/>
+                  </a:lnTo>
+                  <a:lnTo>
+                    <a:pt x="1115484" y="161170"/>
+                  </a:lnTo>
+                  <a:lnTo>
+                    <a:pt x="1224584" y="0"/>
+                  </a:lnTo>
+                  <a:lnTo>
+                    <a:pt x="1359615" y="40104"/>
+                  </a:lnTo>
+                  <a:cubicBezTo>
+                    <a:pt x="1728582" y="185596"/>
+                    <a:pt x="1989668" y="545274"/>
+                    <a:pt x="1989668" y="965933"/>
+                  </a:cubicBezTo>
+                  <a:cubicBezTo>
+                    <a:pt x="1989668" y="1515365"/>
+                    <a:pt x="1544266" y="1960767"/>
+                    <a:pt x="994834" y="1960767"/>
+                  </a:cubicBezTo>
+                  <a:cubicBezTo>
+                    <a:pt x="445402" y="1960767"/>
+                    <a:pt x="0" y="1515365"/>
+                    <a:pt x="0" y="965933"/>
+                  </a:cubicBezTo>
+                  <a:cubicBezTo>
+                    <a:pt x="0" y="545274"/>
+                    <a:pt x="261087" y="185596"/>
+                    <a:pt x="630053" y="40104"/>
+                  </a:cubicBezTo>
+                  <a:close/>
+                </a:path>
+              </a:pathLst>
+            </a:custGeom>
+          </p:spPr>
+          <p:style>
+            <a:lnRef idx="2">
+              <a:schemeClr val="accent1">
+                <a:shade val="50000"/>
+              </a:schemeClr>
+            </a:lnRef>
+            <a:fillRef idx="1">
+              <a:schemeClr val="accent1"/>
+            </a:fillRef>
+            <a:effectRef idx="0">
+              <a:schemeClr val="accent1"/>
+            </a:effectRef>
+            <a:fontRef idx="minor">
+              <a:schemeClr val="lt1"/>
+            </a:fontRef>
+          </p:style>
+          <p:txBody>
+            <a:bodyPr rtlCol="0" anchor="ctr"/>
+            <a:lstStyle/>
+            <a:p>
+              <a:pPr algn="ctr"/>
+              <a:endParaRPr lang="zh-TW" altLang="en-US"/>
+            </a:p>
+          </p:txBody>
+        </p:sp>
+        <p:sp>
+          <p:nvSpPr>
+            <p:cNvPr id="78" name="矩形 77"/>
+            <p:cNvSpPr/>
+            <p:nvPr/>
+          </p:nvSpPr>
+          <p:spPr>
+            <a:xfrm rot="18470484">
+              <a:off x="7656870" y="4154754"/>
+              <a:ext cx="186266" cy="353849"/>
+            </a:xfrm>
+            <a:prstGeom prst="rect">
+              <a:avLst/>
+            </a:prstGeom>
+            <a:solidFill>
+              <a:srgbClr val="92D050"/>
+            </a:solidFill>
+          </p:spPr>
+          <p:style>
+            <a:lnRef idx="2">
+              <a:schemeClr val="accent1">
+                <a:shade val="50000"/>
+              </a:schemeClr>
+            </a:lnRef>
+            <a:fillRef idx="1">
+              <a:schemeClr val="accent1"/>
+            </a:fillRef>
+            <a:effectRef idx="0">
+              <a:schemeClr val="accent1"/>
+            </a:effectRef>
+            <a:fontRef idx="minor">
+              <a:schemeClr val="lt1"/>
+            </a:fontRef>
+          </p:style>
+          <p:txBody>
+            <a:bodyPr rtlCol="0" anchor="ctr"/>
+            <a:lstStyle/>
+            <a:p>
+              <a:pPr algn="ctr"/>
+              <a:endParaRPr lang="zh-TW" altLang="en-US"/>
+            </a:p>
+          </p:txBody>
+        </p:sp>
+        <p:sp>
+          <p:nvSpPr>
+            <p:cNvPr id="79" name="矩形 78"/>
+            <p:cNvSpPr/>
+            <p:nvPr/>
+          </p:nvSpPr>
+          <p:spPr>
+            <a:xfrm rot="20535343">
+              <a:off x="8044779" y="3870432"/>
+              <a:ext cx="186266" cy="353849"/>
+            </a:xfrm>
+            <a:prstGeom prst="rect">
+              <a:avLst/>
+            </a:prstGeom>
+            <a:solidFill>
+              <a:srgbClr val="92D050"/>
+            </a:solidFill>
+          </p:spPr>
+          <p:style>
+            <a:lnRef idx="2">
+              <a:schemeClr val="accent1">
+                <a:shade val="50000"/>
+              </a:schemeClr>
+            </a:lnRef>
+            <a:fillRef idx="1">
+              <a:schemeClr val="accent1"/>
+            </a:fillRef>
+            <a:effectRef idx="0">
+              <a:schemeClr val="accent1"/>
+            </a:effectRef>
+            <a:fontRef idx="minor">
+              <a:schemeClr val="lt1"/>
+            </a:fontRef>
+          </p:style>
+          <p:txBody>
+            <a:bodyPr rtlCol="0" anchor="ctr"/>
+            <a:lstStyle/>
+            <a:p>
+              <a:pPr algn="ctr"/>
+              <a:endParaRPr lang="zh-TW" altLang="en-US"/>
+            </a:p>
+          </p:txBody>
+        </p:sp>
+        <p:sp>
+          <p:nvSpPr>
+            <p:cNvPr id="80" name="矩形 79"/>
+            <p:cNvSpPr/>
+            <p:nvPr/>
+          </p:nvSpPr>
+          <p:spPr>
+            <a:xfrm rot="1093448">
+              <a:off x="8576850" y="3870432"/>
+              <a:ext cx="186266" cy="353849"/>
+            </a:xfrm>
+            <a:prstGeom prst="rect">
+              <a:avLst/>
+            </a:prstGeom>
+            <a:solidFill>
+              <a:srgbClr val="92D050"/>
+            </a:solidFill>
+          </p:spPr>
+          <p:style>
+            <a:lnRef idx="2">
+              <a:schemeClr val="accent1">
+                <a:shade val="50000"/>
+              </a:schemeClr>
+            </a:lnRef>
+            <a:fillRef idx="1">
+              <a:schemeClr val="accent1"/>
+            </a:fillRef>
+            <a:effectRef idx="0">
+              <a:schemeClr val="accent1"/>
+            </a:effectRef>
+            <a:fontRef idx="minor">
+              <a:schemeClr val="lt1"/>
+            </a:fontRef>
+          </p:style>
+          <p:txBody>
+            <a:bodyPr rtlCol="0" anchor="ctr"/>
+            <a:lstStyle/>
+            <a:p>
+              <a:pPr algn="ctr"/>
+              <a:endParaRPr lang="zh-TW" altLang="en-US"/>
+            </a:p>
+          </p:txBody>
+        </p:sp>
+        <p:sp>
+          <p:nvSpPr>
+            <p:cNvPr id="81" name="矩形 80"/>
+            <p:cNvSpPr/>
+            <p:nvPr/>
+          </p:nvSpPr>
+          <p:spPr>
+            <a:xfrm rot="3129063">
+              <a:off x="8957551" y="4145227"/>
+              <a:ext cx="186266" cy="353849"/>
+            </a:xfrm>
+            <a:prstGeom prst="rect">
+              <a:avLst/>
+            </a:prstGeom>
+            <a:solidFill>
+              <a:srgbClr val="92D050"/>
+            </a:solidFill>
+          </p:spPr>
+          <p:style>
+            <a:lnRef idx="2">
+              <a:schemeClr val="accent1">
+                <a:shade val="50000"/>
+              </a:schemeClr>
+            </a:lnRef>
+            <a:fillRef idx="1">
+              <a:schemeClr val="accent1"/>
+            </a:fillRef>
+            <a:effectRef idx="0">
+              <a:schemeClr val="accent1"/>
+            </a:effectRef>
+            <a:fontRef idx="minor">
+              <a:schemeClr val="lt1"/>
+            </a:fontRef>
+          </p:style>
+          <p:txBody>
+            <a:bodyPr rtlCol="0" anchor="ctr"/>
+            <a:lstStyle/>
+            <a:p>
+              <a:pPr algn="ctr"/>
+              <a:endParaRPr lang="zh-TW" altLang="en-US"/>
+            </a:p>
+          </p:txBody>
+        </p:sp>
+        <p:sp>
+          <p:nvSpPr>
+            <p:cNvPr id="82" name="矩形 81"/>
+            <p:cNvSpPr/>
+            <p:nvPr/>
+          </p:nvSpPr>
+          <p:spPr>
+            <a:xfrm rot="5400000">
+              <a:off x="9122933" y="4646607"/>
+              <a:ext cx="186266" cy="353849"/>
+            </a:xfrm>
+            <a:prstGeom prst="rect">
+              <a:avLst/>
+            </a:prstGeom>
+            <a:solidFill>
+              <a:srgbClr val="92D050"/>
+            </a:solidFill>
+          </p:spPr>
+          <p:style>
+            <a:lnRef idx="2">
+              <a:schemeClr val="accent1">
+                <a:shade val="50000"/>
+              </a:schemeClr>
+            </a:lnRef>
+            <a:fillRef idx="1">
+              <a:schemeClr val="accent1"/>
+            </a:fillRef>
+            <a:effectRef idx="0">
+              <a:schemeClr val="accent1"/>
+            </a:effectRef>
+            <a:fontRef idx="minor">
+              <a:schemeClr val="lt1"/>
+            </a:fontRef>
+          </p:style>
+          <p:txBody>
+            <a:bodyPr rtlCol="0" anchor="ctr"/>
+            <a:lstStyle/>
+            <a:p>
+              <a:pPr algn="ctr"/>
+              <a:endParaRPr lang="zh-TW" altLang="en-US"/>
+            </a:p>
+          </p:txBody>
+        </p:sp>
+        <p:sp>
+          <p:nvSpPr>
+            <p:cNvPr id="83" name="矩形 82"/>
+            <p:cNvSpPr/>
+            <p:nvPr/>
+          </p:nvSpPr>
+          <p:spPr>
+            <a:xfrm rot="18470484">
+              <a:off x="8948985" y="5147977"/>
+              <a:ext cx="186266" cy="353849"/>
+            </a:xfrm>
+            <a:prstGeom prst="rect">
+              <a:avLst/>
+            </a:prstGeom>
+            <a:solidFill>
+              <a:srgbClr val="92D050"/>
+            </a:solidFill>
+          </p:spPr>
+          <p:style>
+            <a:lnRef idx="2">
+              <a:schemeClr val="accent1">
+                <a:shade val="50000"/>
+              </a:schemeClr>
+            </a:lnRef>
+            <a:fillRef idx="1">
+              <a:schemeClr val="accent1"/>
+            </a:fillRef>
+            <a:effectRef idx="0">
+              <a:schemeClr val="accent1"/>
+            </a:effectRef>
+            <a:fontRef idx="minor">
+              <a:schemeClr val="lt1"/>
+            </a:fontRef>
+          </p:style>
+          <p:txBody>
+            <a:bodyPr rtlCol="0" anchor="ctr"/>
+            <a:lstStyle/>
+            <a:p>
+              <a:pPr algn="ctr"/>
+              <a:endParaRPr lang="zh-TW" altLang="en-US"/>
+            </a:p>
+          </p:txBody>
+        </p:sp>
+        <p:sp>
+          <p:nvSpPr>
+            <p:cNvPr id="84" name="矩形 83"/>
+            <p:cNvSpPr/>
+            <p:nvPr/>
+          </p:nvSpPr>
+          <p:spPr>
+            <a:xfrm rot="20535343">
+              <a:off x="8543704" y="5416683"/>
+              <a:ext cx="186266" cy="353849"/>
+            </a:xfrm>
+            <a:prstGeom prst="rect">
+              <a:avLst/>
+            </a:prstGeom>
+            <a:solidFill>
+              <a:srgbClr val="92D050"/>
+            </a:solidFill>
+          </p:spPr>
+          <p:style>
+            <a:lnRef idx="2">
+              <a:schemeClr val="accent1">
+                <a:shade val="50000"/>
+              </a:schemeClr>
+            </a:lnRef>
+            <a:fillRef idx="1">
+              <a:schemeClr val="accent1"/>
+            </a:fillRef>
+            <a:effectRef idx="0">
+              <a:schemeClr val="accent1"/>
+            </a:effectRef>
+            <a:fontRef idx="minor">
+              <a:schemeClr val="lt1"/>
+            </a:fontRef>
+          </p:style>
+          <p:txBody>
+            <a:bodyPr rtlCol="0" anchor="ctr"/>
+            <a:lstStyle/>
+            <a:p>
+              <a:pPr algn="ctr"/>
+              <a:endParaRPr lang="zh-TW" altLang="en-US"/>
+            </a:p>
+          </p:txBody>
+        </p:sp>
+        <p:sp>
+          <p:nvSpPr>
+            <p:cNvPr id="85" name="矩形 84"/>
+            <p:cNvSpPr/>
+            <p:nvPr/>
+          </p:nvSpPr>
+          <p:spPr>
+            <a:xfrm rot="1093448">
+              <a:off x="8069060" y="5415576"/>
+              <a:ext cx="186266" cy="353849"/>
+            </a:xfrm>
+            <a:prstGeom prst="rect">
+              <a:avLst/>
+            </a:prstGeom>
+            <a:solidFill>
+              <a:srgbClr val="92D050"/>
+            </a:solidFill>
+          </p:spPr>
+          <p:style>
+            <a:lnRef idx="2">
+              <a:schemeClr val="accent1">
+                <a:shade val="50000"/>
+              </a:schemeClr>
+            </a:lnRef>
+            <a:fillRef idx="1">
+              <a:schemeClr val="accent1"/>
+            </a:fillRef>
+            <a:effectRef idx="0">
+              <a:schemeClr val="accent1"/>
+            </a:effectRef>
+            <a:fontRef idx="minor">
+              <a:schemeClr val="lt1"/>
+            </a:fontRef>
+          </p:style>
+          <p:txBody>
+            <a:bodyPr rtlCol="0" anchor="ctr"/>
+            <a:lstStyle/>
+            <a:p>
+              <a:pPr algn="ctr"/>
+              <a:endParaRPr lang="zh-TW" altLang="en-US"/>
+            </a:p>
+          </p:txBody>
+        </p:sp>
+        <p:sp>
+          <p:nvSpPr>
+            <p:cNvPr id="86" name="矩形 85"/>
+            <p:cNvSpPr/>
+            <p:nvPr/>
+          </p:nvSpPr>
+          <p:spPr>
+            <a:xfrm rot="3129063">
+              <a:off x="7673526" y="5144785"/>
+              <a:ext cx="186266" cy="353849"/>
+            </a:xfrm>
+            <a:prstGeom prst="rect">
+              <a:avLst/>
+            </a:prstGeom>
+            <a:solidFill>
+              <a:srgbClr val="92D050"/>
+            </a:solidFill>
+          </p:spPr>
+          <p:style>
+            <a:lnRef idx="2">
+              <a:schemeClr val="accent1">
+                <a:shade val="50000"/>
+              </a:schemeClr>
+            </a:lnRef>
+            <a:fillRef idx="1">
+              <a:schemeClr val="accent1"/>
+            </a:fillRef>
+            <a:effectRef idx="0">
+              <a:schemeClr val="accent1"/>
+            </a:effectRef>
+            <a:fontRef idx="minor">
+              <a:schemeClr val="lt1"/>
+            </a:fontRef>
+          </p:style>
+          <p:txBody>
+            <a:bodyPr rtlCol="0" anchor="ctr"/>
+            <a:lstStyle/>
+            <a:p>
+              <a:pPr algn="ctr"/>
+              <a:endParaRPr lang="zh-TW" altLang="en-US"/>
+            </a:p>
+          </p:txBody>
+        </p:sp>
+        <p:sp>
+          <p:nvSpPr>
+            <p:cNvPr id="87" name="矩形 86"/>
+            <p:cNvSpPr/>
+            <p:nvPr/>
+          </p:nvSpPr>
+          <p:spPr>
+            <a:xfrm rot="5400000">
+              <a:off x="7496601" y="4656611"/>
+              <a:ext cx="186266" cy="353849"/>
+            </a:xfrm>
+            <a:prstGeom prst="rect">
+              <a:avLst/>
+            </a:prstGeom>
+            <a:solidFill>
+              <a:srgbClr val="92D050"/>
+            </a:solidFill>
+          </p:spPr>
+          <p:style>
+            <a:lnRef idx="2">
+              <a:schemeClr val="accent1">
+                <a:shade val="50000"/>
+              </a:schemeClr>
+            </a:lnRef>
+            <a:fillRef idx="1">
+              <a:schemeClr val="accent1"/>
+            </a:fillRef>
+            <a:effectRef idx="0">
+              <a:schemeClr val="accent1"/>
+            </a:effectRef>
+            <a:fontRef idx="minor">
+              <a:schemeClr val="lt1"/>
+            </a:fontRef>
+          </p:style>
+          <p:txBody>
+            <a:bodyPr rtlCol="0" anchor="ctr"/>
+            <a:lstStyle/>
+            <a:p>
+              <a:pPr algn="ctr"/>
+              <a:endParaRPr lang="zh-TW" altLang="en-US"/>
+            </a:p>
+          </p:txBody>
+        </p:sp>
+      </p:grpSp>
+      <p:grpSp>
+        <p:nvGrpSpPr>
+          <p:cNvPr id="124" name="群組 123"/>
+          <p:cNvGrpSpPr/>
+          <p:nvPr/>
+        </p:nvGrpSpPr>
+        <p:grpSpPr>
+          <a:xfrm rot="10800000">
+            <a:off x="4715255" y="2565695"/>
+            <a:ext cx="1989668" cy="1960767"/>
+            <a:chOff x="7404097" y="3849117"/>
+            <a:chExt cx="1989668" cy="1960767"/>
+          </a:xfrm>
+        </p:grpSpPr>
+        <p:sp>
+          <p:nvSpPr>
+            <p:cNvPr id="125" name="手繪多邊形 124"/>
+            <p:cNvSpPr/>
+            <p:nvPr/>
+          </p:nvSpPr>
+          <p:spPr>
+            <a:xfrm>
+              <a:off x="7404097" y="3849117"/>
+              <a:ext cx="1989668" cy="1960767"/>
+            </a:xfrm>
+            <a:custGeom>
+              <a:avLst/>
+              <a:gdLst>
+                <a:gd name="connsiteX0" fmla="*/ 994834 w 1989668"/>
+                <a:gd name="connsiteY0" fmla="*/ 828348 h 1960767"/>
+                <a:gd name="connsiteX1" fmla="*/ 857250 w 1989668"/>
+                <a:gd name="connsiteY1" fmla="*/ 965932 h 1960767"/>
+                <a:gd name="connsiteX2" fmla="*/ 994834 w 1989668"/>
+                <a:gd name="connsiteY2" fmla="*/ 1103516 h 1960767"/>
+                <a:gd name="connsiteX3" fmla="*/ 1132418 w 1989668"/>
+                <a:gd name="connsiteY3" fmla="*/ 965932 h 1960767"/>
+                <a:gd name="connsiteX4" fmla="*/ 994834 w 1989668"/>
+                <a:gd name="connsiteY4" fmla="*/ 828348 h 1960767"/>
+                <a:gd name="connsiteX5" fmla="*/ 765086 w 1989668"/>
+                <a:gd name="connsiteY5" fmla="*/ 0 h 1960767"/>
+                <a:gd name="connsiteX6" fmla="*/ 874185 w 1989668"/>
+                <a:gd name="connsiteY6" fmla="*/ 161169 h 1960767"/>
+                <a:gd name="connsiteX7" fmla="*/ 874185 w 1989668"/>
+                <a:gd name="connsiteY7" fmla="*/ 703466 h 1960767"/>
+                <a:gd name="connsiteX8" fmla="*/ 1115484 w 1989668"/>
+                <a:gd name="connsiteY8" fmla="*/ 703466 h 1960767"/>
+                <a:gd name="connsiteX9" fmla="*/ 1115484 w 1989668"/>
+                <a:gd name="connsiteY9" fmla="*/ 161170 h 1960767"/>
+                <a:gd name="connsiteX10" fmla="*/ 1224584 w 1989668"/>
+                <a:gd name="connsiteY10" fmla="*/ 0 h 1960767"/>
+                <a:gd name="connsiteX11" fmla="*/ 1359615 w 1989668"/>
+                <a:gd name="connsiteY11" fmla="*/ 40104 h 1960767"/>
+                <a:gd name="connsiteX12" fmla="*/ 1989668 w 1989668"/>
+                <a:gd name="connsiteY12" fmla="*/ 965933 h 1960767"/>
+                <a:gd name="connsiteX13" fmla="*/ 994834 w 1989668"/>
+                <a:gd name="connsiteY13" fmla="*/ 1960767 h 1960767"/>
+                <a:gd name="connsiteX14" fmla="*/ 0 w 1989668"/>
+                <a:gd name="connsiteY14" fmla="*/ 965933 h 1960767"/>
+                <a:gd name="connsiteX15" fmla="*/ 630053 w 1989668"/>
+                <a:gd name="connsiteY15" fmla="*/ 40104 h 1960767"/>
+              </a:gdLst>
+              <a:ahLst/>
+              <a:cxnLst>
+                <a:cxn ang="0">
+                  <a:pos x="connsiteX0" y="connsiteY0"/>
+                </a:cxn>
+                <a:cxn ang="0">
+                  <a:pos x="connsiteX1" y="connsiteY1"/>
+                </a:cxn>
+                <a:cxn ang="0">
+                  <a:pos x="connsiteX2" y="connsiteY2"/>
+                </a:cxn>
+                <a:cxn ang="0">
+                  <a:pos x="connsiteX3" y="connsiteY3"/>
+                </a:cxn>
+                <a:cxn ang="0">
+                  <a:pos x="connsiteX4" y="connsiteY4"/>
+                </a:cxn>
+                <a:cxn ang="0">
+                  <a:pos x="connsiteX5" y="connsiteY5"/>
+                </a:cxn>
+                <a:cxn ang="0">
+                  <a:pos x="connsiteX6" y="connsiteY6"/>
+                </a:cxn>
+                <a:cxn ang="0">
+                  <a:pos x="connsiteX7" y="connsiteY7"/>
+                </a:cxn>
+                <a:cxn ang="0">
+                  <a:pos x="connsiteX8" y="connsiteY8"/>
+                </a:cxn>
+                <a:cxn ang="0">
+                  <a:pos x="connsiteX9" y="connsiteY9"/>
+                </a:cxn>
+                <a:cxn ang="0">
+                  <a:pos x="connsiteX10" y="connsiteY10"/>
+                </a:cxn>
+                <a:cxn ang="0">
+                  <a:pos x="connsiteX11" y="connsiteY11"/>
+                </a:cxn>
+                <a:cxn ang="0">
+                  <a:pos x="connsiteX12" y="connsiteY12"/>
+                </a:cxn>
+                <a:cxn ang="0">
+                  <a:pos x="connsiteX13" y="connsiteY13"/>
+                </a:cxn>
+                <a:cxn ang="0">
+                  <a:pos x="connsiteX14" y="connsiteY14"/>
+                </a:cxn>
+                <a:cxn ang="0">
+                  <a:pos x="connsiteX15" y="connsiteY15"/>
+                </a:cxn>
+              </a:cxnLst>
+              <a:rect l="l" t="t" r="r" b="b"/>
+              <a:pathLst>
+                <a:path w="1989668" h="1960767">
+                  <a:moveTo>
+                    <a:pt x="994834" y="828348"/>
+                  </a:moveTo>
+                  <a:cubicBezTo>
+                    <a:pt x="918848" y="828348"/>
+                    <a:pt x="857250" y="889946"/>
+                    <a:pt x="857250" y="965932"/>
+                  </a:cubicBezTo>
+                  <a:cubicBezTo>
+                    <a:pt x="857250" y="1041918"/>
+                    <a:pt x="918848" y="1103516"/>
+                    <a:pt x="994834" y="1103516"/>
+                  </a:cubicBezTo>
+                  <a:cubicBezTo>
+                    <a:pt x="1070820" y="1103516"/>
+                    <a:pt x="1132418" y="1041918"/>
+                    <a:pt x="1132418" y="965932"/>
+                  </a:cubicBezTo>
+                  <a:cubicBezTo>
+                    <a:pt x="1132418" y="889946"/>
+                    <a:pt x="1070820" y="828348"/>
+                    <a:pt x="994834" y="828348"/>
+                  </a:cubicBezTo>
+                  <a:close/>
+                  <a:moveTo>
+                    <a:pt x="765086" y="0"/>
+                  </a:moveTo>
+                  <a:lnTo>
+                    <a:pt x="874185" y="161169"/>
+                  </a:lnTo>
+                  <a:lnTo>
+                    <a:pt x="874185" y="703466"/>
+                  </a:lnTo>
+                  <a:lnTo>
+                    <a:pt x="1115484" y="703466"/>
+                  </a:lnTo>
+                  <a:lnTo>
+                    <a:pt x="1115484" y="161170"/>
+                  </a:lnTo>
+                  <a:lnTo>
+                    <a:pt x="1224584" y="0"/>
+                  </a:lnTo>
+                  <a:lnTo>
+                    <a:pt x="1359615" y="40104"/>
+                  </a:lnTo>
+                  <a:cubicBezTo>
+                    <a:pt x="1728582" y="185596"/>
+                    <a:pt x="1989668" y="545274"/>
+                    <a:pt x="1989668" y="965933"/>
+                  </a:cubicBezTo>
+                  <a:cubicBezTo>
+                    <a:pt x="1989668" y="1515365"/>
+                    <a:pt x="1544266" y="1960767"/>
+                    <a:pt x="994834" y="1960767"/>
+                  </a:cubicBezTo>
+                  <a:cubicBezTo>
+                    <a:pt x="445402" y="1960767"/>
+                    <a:pt x="0" y="1515365"/>
+                    <a:pt x="0" y="965933"/>
+                  </a:cubicBezTo>
+                  <a:cubicBezTo>
+                    <a:pt x="0" y="545274"/>
+                    <a:pt x="261087" y="185596"/>
+                    <a:pt x="630053" y="40104"/>
+                  </a:cubicBezTo>
+                  <a:close/>
+                </a:path>
+              </a:pathLst>
+            </a:custGeom>
+          </p:spPr>
+          <p:style>
+            <a:lnRef idx="2">
+              <a:schemeClr val="accent1">
+                <a:shade val="50000"/>
+              </a:schemeClr>
+            </a:lnRef>
+            <a:fillRef idx="1">
+              <a:schemeClr val="accent1"/>
+            </a:fillRef>
+            <a:effectRef idx="0">
+              <a:schemeClr val="accent1"/>
+            </a:effectRef>
+            <a:fontRef idx="minor">
+              <a:schemeClr val="lt1"/>
+            </a:fontRef>
+          </p:style>
+          <p:txBody>
+            <a:bodyPr rtlCol="0" anchor="ctr"/>
+            <a:lstStyle/>
+            <a:p>
+              <a:pPr algn="ctr"/>
+              <a:endParaRPr lang="zh-TW" altLang="en-US"/>
+            </a:p>
+          </p:txBody>
+        </p:sp>
+        <p:sp>
+          <p:nvSpPr>
+            <p:cNvPr id="126" name="矩形 125"/>
+            <p:cNvSpPr/>
+            <p:nvPr/>
+          </p:nvSpPr>
+          <p:spPr>
+            <a:xfrm rot="18470484">
+              <a:off x="7656870" y="4154754"/>
+              <a:ext cx="186266" cy="353849"/>
+            </a:xfrm>
+            <a:prstGeom prst="rect">
+              <a:avLst/>
+            </a:prstGeom>
+            <a:solidFill>
+              <a:srgbClr val="92D050"/>
+            </a:solidFill>
+          </p:spPr>
+          <p:style>
+            <a:lnRef idx="2">
+              <a:schemeClr val="accent1">
+                <a:shade val="50000"/>
+              </a:schemeClr>
+            </a:lnRef>
+            <a:fillRef idx="1">
+              <a:schemeClr val="accent1"/>
+            </a:fillRef>
+            <a:effectRef idx="0">
+              <a:schemeClr val="accent1"/>
+            </a:effectRef>
+            <a:fontRef idx="minor">
+              <a:schemeClr val="lt1"/>
+            </a:fontRef>
+          </p:style>
+          <p:txBody>
+            <a:bodyPr rtlCol="0" anchor="ctr"/>
+            <a:lstStyle/>
+            <a:p>
+              <a:pPr algn="ctr"/>
+              <a:endParaRPr lang="zh-TW" altLang="en-US"/>
+            </a:p>
+          </p:txBody>
+        </p:sp>
+        <p:sp>
+          <p:nvSpPr>
+            <p:cNvPr id="127" name="矩形 126"/>
+            <p:cNvSpPr/>
+            <p:nvPr/>
+          </p:nvSpPr>
+          <p:spPr>
+            <a:xfrm rot="20535343">
+              <a:off x="8044779" y="3870432"/>
+              <a:ext cx="186266" cy="353849"/>
+            </a:xfrm>
+            <a:prstGeom prst="rect">
+              <a:avLst/>
+            </a:prstGeom>
+            <a:solidFill>
+              <a:srgbClr val="92D050"/>
+            </a:solidFill>
+          </p:spPr>
+          <p:style>
+            <a:lnRef idx="2">
+              <a:schemeClr val="accent1">
+                <a:shade val="50000"/>
+              </a:schemeClr>
+            </a:lnRef>
+            <a:fillRef idx="1">
+              <a:schemeClr val="accent1"/>
+            </a:fillRef>
+            <a:effectRef idx="0">
+              <a:schemeClr val="accent1"/>
+            </a:effectRef>
+            <a:fontRef idx="minor">
+              <a:schemeClr val="lt1"/>
+            </a:fontRef>
+          </p:style>
+          <p:txBody>
+            <a:bodyPr rtlCol="0" anchor="ctr"/>
+            <a:lstStyle/>
+            <a:p>
+              <a:pPr algn="ctr"/>
+              <a:endParaRPr lang="zh-TW" altLang="en-US"/>
+            </a:p>
+          </p:txBody>
+        </p:sp>
+        <p:sp>
+          <p:nvSpPr>
+            <p:cNvPr id="128" name="矩形 127"/>
+            <p:cNvSpPr/>
+            <p:nvPr/>
+          </p:nvSpPr>
+          <p:spPr>
+            <a:xfrm rot="1093448">
+              <a:off x="8576850" y="3870432"/>
+              <a:ext cx="186266" cy="353849"/>
+            </a:xfrm>
+            <a:prstGeom prst="rect">
+              <a:avLst/>
+            </a:prstGeom>
+            <a:solidFill>
+              <a:srgbClr val="92D050"/>
+            </a:solidFill>
+          </p:spPr>
+          <p:style>
+            <a:lnRef idx="2">
+              <a:schemeClr val="accent1">
+                <a:shade val="50000"/>
+              </a:schemeClr>
+            </a:lnRef>
+            <a:fillRef idx="1">
+              <a:schemeClr val="accent1"/>
+            </a:fillRef>
+            <a:effectRef idx="0">
+              <a:schemeClr val="accent1"/>
+            </a:effectRef>
+            <a:fontRef idx="minor">
+              <a:schemeClr val="lt1"/>
+            </a:fontRef>
+          </p:style>
+          <p:txBody>
+            <a:bodyPr rtlCol="0" anchor="ctr"/>
+            <a:lstStyle/>
+            <a:p>
+              <a:pPr algn="ctr"/>
+              <a:endParaRPr lang="zh-TW" altLang="en-US"/>
+            </a:p>
+          </p:txBody>
+        </p:sp>
+        <p:sp>
+          <p:nvSpPr>
+            <p:cNvPr id="129" name="矩形 128"/>
+            <p:cNvSpPr/>
+            <p:nvPr/>
+          </p:nvSpPr>
+          <p:spPr>
+            <a:xfrm rot="3129063">
+              <a:off x="8957551" y="4145227"/>
+              <a:ext cx="186266" cy="353849"/>
+            </a:xfrm>
+            <a:prstGeom prst="rect">
+              <a:avLst/>
+            </a:prstGeom>
+            <a:solidFill>
+              <a:srgbClr val="92D050"/>
+            </a:solidFill>
+          </p:spPr>
+          <p:style>
+            <a:lnRef idx="2">
+              <a:schemeClr val="accent1">
+                <a:shade val="50000"/>
+              </a:schemeClr>
+            </a:lnRef>
+            <a:fillRef idx="1">
+              <a:schemeClr val="accent1"/>
+            </a:fillRef>
+            <a:effectRef idx="0">
+              <a:schemeClr val="accent1"/>
+            </a:effectRef>
+            <a:fontRef idx="minor">
+              <a:schemeClr val="lt1"/>
+            </a:fontRef>
+          </p:style>
+          <p:txBody>
+            <a:bodyPr rtlCol="0" anchor="ctr"/>
+            <a:lstStyle/>
+            <a:p>
+              <a:pPr algn="ctr"/>
+              <a:endParaRPr lang="zh-TW" altLang="en-US"/>
+            </a:p>
+          </p:txBody>
+        </p:sp>
+        <p:sp>
+          <p:nvSpPr>
+            <p:cNvPr id="130" name="矩形 129"/>
+            <p:cNvSpPr/>
+            <p:nvPr/>
+          </p:nvSpPr>
+          <p:spPr>
+            <a:xfrm rot="5400000">
+              <a:off x="9122933" y="4646607"/>
+              <a:ext cx="186266" cy="353849"/>
+            </a:xfrm>
+            <a:prstGeom prst="rect">
+              <a:avLst/>
+            </a:prstGeom>
+            <a:solidFill>
+              <a:srgbClr val="92D050"/>
+            </a:solidFill>
+          </p:spPr>
+          <p:style>
+            <a:lnRef idx="2">
+              <a:schemeClr val="accent1">
+                <a:shade val="50000"/>
+              </a:schemeClr>
+            </a:lnRef>
+            <a:fillRef idx="1">
+              <a:schemeClr val="accent1"/>
+            </a:fillRef>
+            <a:effectRef idx="0">
+              <a:schemeClr val="accent1"/>
+            </a:effectRef>
+            <a:fontRef idx="minor">
+              <a:schemeClr val="lt1"/>
+            </a:fontRef>
+          </p:style>
+          <p:txBody>
+            <a:bodyPr rtlCol="0" anchor="ctr"/>
+            <a:lstStyle/>
+            <a:p>
+              <a:pPr algn="ctr"/>
+              <a:endParaRPr lang="zh-TW" altLang="en-US"/>
+            </a:p>
+          </p:txBody>
+        </p:sp>
+        <p:sp>
+          <p:nvSpPr>
+            <p:cNvPr id="131" name="矩形 130"/>
+            <p:cNvSpPr/>
+            <p:nvPr/>
+          </p:nvSpPr>
+          <p:spPr>
+            <a:xfrm rot="18470484">
+              <a:off x="8948985" y="5147977"/>
+              <a:ext cx="186266" cy="353849"/>
+            </a:xfrm>
+            <a:prstGeom prst="rect">
+              <a:avLst/>
+            </a:prstGeom>
+            <a:solidFill>
+              <a:srgbClr val="92D050"/>
+            </a:solidFill>
+          </p:spPr>
+          <p:style>
+            <a:lnRef idx="2">
+              <a:schemeClr val="accent1">
+                <a:shade val="50000"/>
+              </a:schemeClr>
+            </a:lnRef>
+            <a:fillRef idx="1">
+              <a:schemeClr val="accent1"/>
+            </a:fillRef>
+            <a:effectRef idx="0">
+              <a:schemeClr val="accent1"/>
+            </a:effectRef>
+            <a:fontRef idx="minor">
+              <a:schemeClr val="lt1"/>
+            </a:fontRef>
+          </p:style>
+          <p:txBody>
+            <a:bodyPr rtlCol="0" anchor="ctr"/>
+            <a:lstStyle/>
+            <a:p>
+              <a:pPr algn="ctr"/>
+              <a:endParaRPr lang="zh-TW" altLang="en-US"/>
+            </a:p>
+          </p:txBody>
+        </p:sp>
+        <p:sp>
+          <p:nvSpPr>
+            <p:cNvPr id="132" name="矩形 131"/>
+            <p:cNvSpPr/>
+            <p:nvPr/>
+          </p:nvSpPr>
+          <p:spPr>
+            <a:xfrm rot="20535343">
+              <a:off x="8543704" y="5416683"/>
+              <a:ext cx="186266" cy="353849"/>
+            </a:xfrm>
+            <a:prstGeom prst="rect">
+              <a:avLst/>
+            </a:prstGeom>
+            <a:solidFill>
+              <a:srgbClr val="92D050"/>
+            </a:solidFill>
+          </p:spPr>
+          <p:style>
+            <a:lnRef idx="2">
+              <a:schemeClr val="accent1">
+                <a:shade val="50000"/>
+              </a:schemeClr>
+            </a:lnRef>
+            <a:fillRef idx="1">
+              <a:schemeClr val="accent1"/>
+            </a:fillRef>
+            <a:effectRef idx="0">
+              <a:schemeClr val="accent1"/>
+            </a:effectRef>
+            <a:fontRef idx="minor">
+              <a:schemeClr val="lt1"/>
+            </a:fontRef>
+          </p:style>
+          <p:txBody>
+            <a:bodyPr rtlCol="0" anchor="ctr"/>
+            <a:lstStyle/>
+            <a:p>
+              <a:pPr algn="ctr"/>
+              <a:endParaRPr lang="zh-TW" altLang="en-US"/>
+            </a:p>
+          </p:txBody>
+        </p:sp>
+        <p:sp>
+          <p:nvSpPr>
+            <p:cNvPr id="133" name="矩形 132"/>
+            <p:cNvSpPr/>
+            <p:nvPr/>
+          </p:nvSpPr>
+          <p:spPr>
+            <a:xfrm rot="1093448">
+              <a:off x="8069060" y="5415576"/>
+              <a:ext cx="186266" cy="353849"/>
+            </a:xfrm>
+            <a:prstGeom prst="rect">
+              <a:avLst/>
+            </a:prstGeom>
+            <a:solidFill>
+              <a:srgbClr val="92D050"/>
+            </a:solidFill>
+          </p:spPr>
+          <p:style>
+            <a:lnRef idx="2">
+              <a:schemeClr val="accent1">
+                <a:shade val="50000"/>
+              </a:schemeClr>
+            </a:lnRef>
+            <a:fillRef idx="1">
+              <a:schemeClr val="accent1"/>
+            </a:fillRef>
+            <a:effectRef idx="0">
+              <a:schemeClr val="accent1"/>
+            </a:effectRef>
+            <a:fontRef idx="minor">
+              <a:schemeClr val="lt1"/>
+            </a:fontRef>
+          </p:style>
+          <p:txBody>
+            <a:bodyPr rtlCol="0" anchor="ctr"/>
+            <a:lstStyle/>
+            <a:p>
+              <a:pPr algn="ctr"/>
+              <a:endParaRPr lang="zh-TW" altLang="en-US"/>
+            </a:p>
+          </p:txBody>
+        </p:sp>
+        <p:sp>
+          <p:nvSpPr>
+            <p:cNvPr id="134" name="矩形 133"/>
+            <p:cNvSpPr/>
+            <p:nvPr/>
+          </p:nvSpPr>
+          <p:spPr>
+            <a:xfrm rot="3129063">
+              <a:off x="7673526" y="5144785"/>
+              <a:ext cx="186266" cy="353849"/>
+            </a:xfrm>
+            <a:prstGeom prst="rect">
+              <a:avLst/>
+            </a:prstGeom>
+            <a:solidFill>
+              <a:srgbClr val="92D050"/>
+            </a:solidFill>
+          </p:spPr>
+          <p:style>
+            <a:lnRef idx="2">
+              <a:schemeClr val="accent1">
+                <a:shade val="50000"/>
+              </a:schemeClr>
+            </a:lnRef>
+            <a:fillRef idx="1">
+              <a:schemeClr val="accent1"/>
+            </a:fillRef>
+            <a:effectRef idx="0">
+              <a:schemeClr val="accent1"/>
+            </a:effectRef>
+            <a:fontRef idx="minor">
+              <a:schemeClr val="lt1"/>
+            </a:fontRef>
+          </p:style>
+          <p:txBody>
+            <a:bodyPr rtlCol="0" anchor="ctr"/>
+            <a:lstStyle/>
+            <a:p>
+              <a:pPr algn="ctr"/>
+              <a:endParaRPr lang="zh-TW" altLang="en-US"/>
+            </a:p>
+          </p:txBody>
+        </p:sp>
+        <p:sp>
+          <p:nvSpPr>
+            <p:cNvPr id="135" name="矩形 134"/>
+            <p:cNvSpPr/>
+            <p:nvPr/>
+          </p:nvSpPr>
+          <p:spPr>
+            <a:xfrm rot="5400000">
+              <a:off x="7496601" y="4656611"/>
+              <a:ext cx="186266" cy="353849"/>
+            </a:xfrm>
+            <a:prstGeom prst="rect">
+              <a:avLst/>
+            </a:prstGeom>
+            <a:solidFill>
+              <a:srgbClr val="92D050"/>
+            </a:solidFill>
+          </p:spPr>
+          <p:style>
+            <a:lnRef idx="2">
+              <a:schemeClr val="accent1">
+                <a:shade val="50000"/>
+              </a:schemeClr>
+            </a:lnRef>
+            <a:fillRef idx="1">
+              <a:schemeClr val="accent1"/>
+            </a:fillRef>
+            <a:effectRef idx="0">
+              <a:schemeClr val="accent1"/>
+            </a:effectRef>
+            <a:fontRef idx="minor">
+              <a:schemeClr val="lt1"/>
+            </a:fontRef>
+          </p:style>
+          <p:txBody>
+            <a:bodyPr rtlCol="0" anchor="ctr"/>
+            <a:lstStyle/>
+            <a:p>
+              <a:pPr algn="ctr"/>
+              <a:endParaRPr lang="zh-TW" altLang="en-US"/>
+            </a:p>
+          </p:txBody>
+        </p:sp>
+      </p:grpSp>
+      <p:sp>
+        <p:nvSpPr>
+          <p:cNvPr id="137" name="文字方塊 136"/>
+          <p:cNvSpPr txBox="1"/>
+          <p:nvPr/>
+        </p:nvSpPr>
+        <p:spPr>
+          <a:xfrm>
+            <a:off x="4462786" y="5043409"/>
+            <a:ext cx="301686" cy="369332"/>
+          </a:xfrm>
+          <a:prstGeom prst="rect">
+            <a:avLst/>
+          </a:prstGeom>
+          <a:noFill/>
+        </p:spPr>
+        <p:txBody>
+          <a:bodyPr wrap="none" rtlCol="0">
+            <a:spAutoFit/>
+          </a:bodyPr>
+          <a:lstStyle/>
+          <a:p>
+            <a:r>
+              <a:rPr lang="en-US" altLang="zh-TW" dirty="0" smtClean="0"/>
+              <a:t>1</a:t>
+            </a:r>
+            <a:endParaRPr lang="zh-TW" altLang="en-US" dirty="0"/>
+          </a:p>
+        </p:txBody>
+      </p:sp>
+      <p:sp>
+        <p:nvSpPr>
+          <p:cNvPr id="138" name="文字方塊 137"/>
+          <p:cNvSpPr txBox="1"/>
+          <p:nvPr/>
+        </p:nvSpPr>
+        <p:spPr>
+          <a:xfrm rot="2227728">
+            <a:off x="5666598" y="5467333"/>
+            <a:ext cx="301686" cy="369332"/>
+          </a:xfrm>
+          <a:prstGeom prst="rect">
+            <a:avLst/>
+          </a:prstGeom>
+          <a:noFill/>
+        </p:spPr>
+        <p:txBody>
+          <a:bodyPr wrap="none" rtlCol="0">
+            <a:spAutoFit/>
+          </a:bodyPr>
+          <a:lstStyle/>
+          <a:p>
+            <a:r>
+              <a:rPr lang="en-US" altLang="zh-TW" dirty="0" smtClean="0"/>
+              <a:t>2</a:t>
+            </a:r>
+            <a:endParaRPr lang="zh-TW" altLang="en-US" dirty="0"/>
+          </a:p>
+        </p:txBody>
+      </p:sp>
+      <p:sp>
+        <p:nvSpPr>
+          <p:cNvPr id="139" name="文字方塊 138"/>
+          <p:cNvSpPr txBox="1"/>
+          <p:nvPr/>
+        </p:nvSpPr>
+        <p:spPr>
+          <a:xfrm rot="4106555">
+            <a:off x="6294692" y="6411931"/>
+            <a:ext cx="301686" cy="369332"/>
+          </a:xfrm>
+          <a:prstGeom prst="rect">
+            <a:avLst/>
+          </a:prstGeom>
+          <a:noFill/>
+        </p:spPr>
+        <p:txBody>
+          <a:bodyPr wrap="none" rtlCol="0">
+            <a:spAutoFit/>
+          </a:bodyPr>
+          <a:lstStyle/>
+          <a:p>
+            <a:r>
+              <a:rPr lang="en-US" altLang="zh-TW" dirty="0" smtClean="0"/>
+              <a:t>3</a:t>
+            </a:r>
+            <a:endParaRPr lang="zh-TW" altLang="en-US" dirty="0"/>
+          </a:p>
+        </p:txBody>
+      </p:sp>
+      <p:sp>
+        <p:nvSpPr>
+          <p:cNvPr id="140" name="文字方塊 139"/>
+          <p:cNvSpPr txBox="1"/>
+          <p:nvPr/>
+        </p:nvSpPr>
+        <p:spPr>
+          <a:xfrm rot="6920932">
+            <a:off x="6239554" y="7814566"/>
+            <a:ext cx="301686" cy="369332"/>
+          </a:xfrm>
+          <a:prstGeom prst="rect">
+            <a:avLst/>
+          </a:prstGeom>
+          <a:noFill/>
+        </p:spPr>
+        <p:txBody>
+          <a:bodyPr wrap="none" rtlCol="0">
+            <a:spAutoFit/>
+          </a:bodyPr>
+          <a:lstStyle/>
+          <a:p>
+            <a:r>
+              <a:rPr lang="en-US" altLang="zh-TW" dirty="0" smtClean="0"/>
+              <a:t>4</a:t>
+            </a:r>
+            <a:endParaRPr lang="zh-TW" altLang="en-US" dirty="0"/>
+          </a:p>
+        </p:txBody>
+      </p:sp>
+      <p:sp>
+        <p:nvSpPr>
+          <p:cNvPr id="141" name="文字方塊 140"/>
+          <p:cNvSpPr txBox="1"/>
+          <p:nvPr/>
+        </p:nvSpPr>
+        <p:spPr>
+          <a:xfrm rot="10800000">
+            <a:off x="4499857" y="8960134"/>
+            <a:ext cx="301686" cy="369332"/>
+          </a:xfrm>
+          <a:prstGeom prst="rect">
+            <a:avLst/>
+          </a:prstGeom>
+          <a:noFill/>
+        </p:spPr>
+        <p:txBody>
+          <a:bodyPr wrap="none" rtlCol="0">
+            <a:spAutoFit/>
+          </a:bodyPr>
+          <a:lstStyle/>
+          <a:p>
+            <a:r>
+              <a:rPr lang="en-US" altLang="zh-TW" dirty="0" smtClean="0"/>
+              <a:t>6</a:t>
+            </a:r>
+            <a:endParaRPr lang="zh-TW" altLang="en-US" dirty="0"/>
+          </a:p>
+        </p:txBody>
+      </p:sp>
+      <p:sp>
+        <p:nvSpPr>
+          <p:cNvPr id="142" name="文字方塊 141"/>
+          <p:cNvSpPr txBox="1"/>
+          <p:nvPr/>
+        </p:nvSpPr>
+        <p:spPr>
+          <a:xfrm rot="8319198">
+            <a:off x="5617876" y="8600442"/>
+            <a:ext cx="301686" cy="369332"/>
+          </a:xfrm>
+          <a:prstGeom prst="rect">
+            <a:avLst/>
+          </a:prstGeom>
+          <a:noFill/>
+        </p:spPr>
+        <p:txBody>
+          <a:bodyPr wrap="none" rtlCol="0">
+            <a:spAutoFit/>
+          </a:bodyPr>
+          <a:lstStyle/>
+          <a:p>
+            <a:r>
+              <a:rPr lang="en-US" altLang="zh-TW" dirty="0" smtClean="0"/>
+              <a:t>5</a:t>
+            </a:r>
+            <a:endParaRPr lang="zh-TW" altLang="en-US" dirty="0"/>
+          </a:p>
+        </p:txBody>
+      </p:sp>
+      <p:sp>
+        <p:nvSpPr>
+          <p:cNvPr id="143" name="文字方塊 142"/>
+          <p:cNvSpPr txBox="1"/>
+          <p:nvPr/>
+        </p:nvSpPr>
+        <p:spPr>
+          <a:xfrm rot="13005566">
+            <a:off x="3399853" y="8631912"/>
+            <a:ext cx="301686" cy="369332"/>
+          </a:xfrm>
+          <a:prstGeom prst="rect">
+            <a:avLst/>
+          </a:prstGeom>
+          <a:noFill/>
+        </p:spPr>
+        <p:txBody>
+          <a:bodyPr wrap="none" rtlCol="0">
+            <a:spAutoFit/>
+          </a:bodyPr>
+          <a:lstStyle/>
+          <a:p>
+            <a:r>
+              <a:rPr lang="en-US" altLang="zh-TW" dirty="0" smtClean="0"/>
+              <a:t>7</a:t>
+            </a:r>
+            <a:endParaRPr lang="zh-TW" altLang="en-US" dirty="0"/>
+          </a:p>
+        </p:txBody>
+      </p:sp>
+      <p:sp>
+        <p:nvSpPr>
+          <p:cNvPr id="144" name="文字方塊 143"/>
+          <p:cNvSpPr txBox="1"/>
+          <p:nvPr/>
+        </p:nvSpPr>
+        <p:spPr>
+          <a:xfrm rot="14702340">
+            <a:off x="2732483" y="7758409"/>
+            <a:ext cx="301686" cy="369332"/>
+          </a:xfrm>
+          <a:prstGeom prst="rect">
+            <a:avLst/>
+          </a:prstGeom>
+          <a:noFill/>
+        </p:spPr>
+        <p:txBody>
+          <a:bodyPr wrap="none" rtlCol="0">
+            <a:spAutoFit/>
+          </a:bodyPr>
+          <a:lstStyle/>
+          <a:p>
+            <a:r>
+              <a:rPr lang="en-US" altLang="zh-TW" dirty="0" smtClean="0"/>
+              <a:t>8</a:t>
+            </a:r>
+            <a:endParaRPr lang="zh-TW" altLang="en-US" dirty="0"/>
+          </a:p>
+        </p:txBody>
+      </p:sp>
+      <p:sp>
+        <p:nvSpPr>
+          <p:cNvPr id="145" name="文字方塊 144"/>
+          <p:cNvSpPr txBox="1"/>
+          <p:nvPr/>
+        </p:nvSpPr>
+        <p:spPr>
+          <a:xfrm rot="17731736">
+            <a:off x="2668202" y="6399054"/>
+            <a:ext cx="301686" cy="369332"/>
+          </a:xfrm>
+          <a:prstGeom prst="rect">
+            <a:avLst/>
+          </a:prstGeom>
+          <a:noFill/>
+        </p:spPr>
+        <p:txBody>
+          <a:bodyPr wrap="none" rtlCol="0">
+            <a:spAutoFit/>
+          </a:bodyPr>
+          <a:lstStyle/>
+          <a:p>
+            <a:r>
+              <a:rPr lang="en-US" altLang="zh-TW" dirty="0" smtClean="0"/>
+              <a:t>9</a:t>
+            </a:r>
+            <a:endParaRPr lang="zh-TW" altLang="en-US" dirty="0"/>
+          </a:p>
+        </p:txBody>
+      </p:sp>
+      <p:sp>
+        <p:nvSpPr>
+          <p:cNvPr id="146" name="文字方塊 145"/>
+          <p:cNvSpPr txBox="1"/>
+          <p:nvPr/>
+        </p:nvSpPr>
+        <p:spPr>
+          <a:xfrm rot="19492963">
+            <a:off x="3310289" y="5467789"/>
+            <a:ext cx="301686" cy="369332"/>
+          </a:xfrm>
+          <a:prstGeom prst="rect">
+            <a:avLst/>
+          </a:prstGeom>
+          <a:noFill/>
+        </p:spPr>
+        <p:txBody>
+          <a:bodyPr wrap="none" rtlCol="0">
+            <a:spAutoFit/>
+          </a:bodyPr>
+          <a:lstStyle/>
+          <a:p>
+            <a:r>
+              <a:rPr lang="en-US" altLang="zh-TW" dirty="0" smtClean="0"/>
+              <a:t>0</a:t>
+            </a:r>
+            <a:endParaRPr lang="zh-TW" altLang="en-US" dirty="0"/>
+          </a:p>
+        </p:txBody>
+      </p:sp>
+      <p:sp>
+        <p:nvSpPr>
+          <p:cNvPr id="2" name="橢圓 1"/>
+          <p:cNvSpPr/>
+          <p:nvPr/>
+        </p:nvSpPr>
+        <p:spPr>
+          <a:xfrm>
+            <a:off x="4452179" y="7021503"/>
+            <a:ext cx="322900" cy="322900"/>
+          </a:xfrm>
+          <a:prstGeom prst="ellipse">
+            <a:avLst/>
+          </a:prstGeom>
+          <a:solidFill>
+            <a:schemeClr val="bg1"/>
+          </a:solidFill>
+        </p:spPr>
+        <p:style>
+          <a:lnRef idx="2">
+            <a:schemeClr val="accent1">
+              <a:shade val="50000"/>
+            </a:schemeClr>
+          </a:lnRef>
+          <a:fillRef idx="1">
+            <a:schemeClr val="accent1"/>
+          </a:fillRef>
+          <a:effectRef idx="0">
+            <a:schemeClr val="accent1"/>
+          </a:effectRef>
+          <a:fontRef idx="minor">
+            <a:schemeClr val="lt1"/>
+          </a:fontRef>
+        </p:style>
+        <p:txBody>
+          <a:bodyPr rtlCol="0" anchor="ctr"/>
+          <a:lstStyle/>
+          <a:p>
+            <a:pPr algn="ctr"/>
+            <a:endParaRPr lang="zh-TW" altLang="en-US"/>
+          </a:p>
+        </p:txBody>
+      </p:sp>
     </p:spTree>
     <p:extLst>
       <p:ext uri="{BB962C8B-B14F-4D97-AF65-F5344CB8AC3E}">
@@ -14722,7 +17683,7 @@
   <a:extraClrSchemeLst/>
   <a:extLst>
     <a:ext uri="{05A4C25C-085E-4340-85A3-A5531E510DB2}">
-      <thm15:themeFamily xmlns:thm15="http://schemas.microsoft.com/office/thememl/2012/main" name="Office Theme" id="{62F939B6-93AF-4DB8-9C6B-D6C7DFDC589F}" vid="{4A3C46E8-61CC-4603-A589-7422A47A8E4A}"/>
+      <thm15:themeFamily xmlns:thm15="http://schemas.microsoft.com/office/thememl/2012/main" xmlns="" name="Office Theme" id="{62F939B6-93AF-4DB8-9C6B-D6C7DFDC589F}" vid="{4A3C46E8-61CC-4603-A589-7422A47A8E4A}"/>
     </a:ext>
   </a:extLst>
 </a:theme>
